--- a/project03 - 발표1.pptx
+++ b/project03 - 발표1.pptx
@@ -4,8 +4,17 @@
   <p:sldMasterIdLst>
     <p:sldMasterId id="2147483648" r:id="rId1"/>
   </p:sldMasterIdLst>
+  <p:notesMasterIdLst>
+    <p:notesMasterId r:id="rId9"/>
+  </p:notesMasterIdLst>
   <p:sldIdLst>
     <p:sldId id="256" r:id="rId2"/>
+    <p:sldId id="257" r:id="rId3"/>
+    <p:sldId id="258" r:id="rId4"/>
+    <p:sldId id="259" r:id="rId5"/>
+    <p:sldId id="262" r:id="rId6"/>
+    <p:sldId id="260" r:id="rId7"/>
+    <p:sldId id="261" r:id="rId8"/>
   </p:sldIdLst>
   <p:sldSz cx="12192000" cy="6858000"/>
   <p:notesSz cx="6858000" cy="9144000"/>
@@ -104,7 +113,471 @@
       </a:defRPr>
     </a:lvl9pPr>
   </p:defaultTextStyle>
+  <p:extLst>
+    <p:ext uri="{EFAFB233-063F-42B5-8137-9DF3F51BA10A}">
+      <p15:sldGuideLst xmlns:p15="http://schemas.microsoft.com/office/powerpoint/2012/main"/>
+    </p:ext>
+  </p:extLst>
 </p:presentation>
+</file>
+
+<file path=ppt/notesMasters/notesMaster1.xml><?xml version="1.0" encoding="utf-8"?>
+<p:notesMaster xmlns:a="http://schemas.openxmlformats.org/drawingml/2006/main" xmlns:r="http://schemas.openxmlformats.org/officeDocument/2006/relationships" xmlns:p="http://schemas.openxmlformats.org/presentationml/2006/main">
+  <p:cSld>
+    <p:bg>
+      <p:bgRef idx="1001">
+        <a:schemeClr val="bg1"/>
+      </p:bgRef>
+    </p:bg>
+    <p:spTree>
+      <p:nvGrpSpPr>
+        <p:cNvPr id="1" name=""/>
+        <p:cNvGrpSpPr/>
+        <p:nvPr/>
+      </p:nvGrpSpPr>
+      <p:grpSpPr>
+        <a:xfrm>
+          <a:off x="0" y="0"/>
+          <a:ext cx="0" cy="0"/>
+          <a:chOff x="0" y="0"/>
+          <a:chExt cx="0" cy="0"/>
+        </a:xfrm>
+      </p:grpSpPr>
+      <p:sp>
+        <p:nvSpPr>
+          <p:cNvPr id="2" name="머리글 개체 틀 1"/>
+          <p:cNvSpPr>
+            <a:spLocks noGrp="1"/>
+          </p:cNvSpPr>
+          <p:nvPr>
+            <p:ph type="hdr" sz="quarter"/>
+          </p:nvPr>
+        </p:nvSpPr>
+        <p:spPr>
+          <a:xfrm>
+            <a:off x="0" y="0"/>
+            <a:ext cx="2971800" cy="458788"/>
+          </a:xfrm>
+          <a:prstGeom prst="rect">
+            <a:avLst/>
+          </a:prstGeom>
+        </p:spPr>
+        <p:txBody>
+          <a:bodyPr vert="horz" lIns="91440" tIns="45720" rIns="91440" bIns="45720" rtlCol="0"/>
+          <a:lstStyle>
+            <a:lvl1pPr algn="l">
+              <a:defRPr sz="1200"/>
+            </a:lvl1pPr>
+          </a:lstStyle>
+          <a:p>
+            <a:endParaRPr lang="ko-KR" altLang="en-US"/>
+          </a:p>
+        </p:txBody>
+      </p:sp>
+      <p:sp>
+        <p:nvSpPr>
+          <p:cNvPr id="3" name="날짜 개체 틀 2"/>
+          <p:cNvSpPr>
+            <a:spLocks noGrp="1"/>
+          </p:cNvSpPr>
+          <p:nvPr>
+            <p:ph type="dt" idx="1"/>
+          </p:nvPr>
+        </p:nvSpPr>
+        <p:spPr>
+          <a:xfrm>
+            <a:off x="3884613" y="0"/>
+            <a:ext cx="2971800" cy="458788"/>
+          </a:xfrm>
+          <a:prstGeom prst="rect">
+            <a:avLst/>
+          </a:prstGeom>
+        </p:spPr>
+        <p:txBody>
+          <a:bodyPr vert="horz" lIns="91440" tIns="45720" rIns="91440" bIns="45720" rtlCol="0"/>
+          <a:lstStyle>
+            <a:lvl1pPr algn="r">
+              <a:defRPr sz="1200"/>
+            </a:lvl1pPr>
+          </a:lstStyle>
+          <a:p>
+            <a:fld id="{4ABE32E9-08D9-49EE-8EF8-CE0A0967D341}" type="datetimeFigureOut">
+              <a:rPr lang="ko-KR" altLang="en-US" smtClean="0"/>
+              <a:t>2020-02-04</a:t>
+            </a:fld>
+            <a:endParaRPr lang="ko-KR" altLang="en-US"/>
+          </a:p>
+        </p:txBody>
+      </p:sp>
+      <p:sp>
+        <p:nvSpPr>
+          <p:cNvPr id="4" name="슬라이드 이미지 개체 틀 3"/>
+          <p:cNvSpPr>
+            <a:spLocks noGrp="1" noRot="1" noChangeAspect="1"/>
+          </p:cNvSpPr>
+          <p:nvPr>
+            <p:ph type="sldImg" idx="2"/>
+          </p:nvPr>
+        </p:nvSpPr>
+        <p:spPr>
+          <a:xfrm>
+            <a:off x="685800" y="1143000"/>
+            <a:ext cx="5486400" cy="3086100"/>
+          </a:xfrm>
+          <a:prstGeom prst="rect">
+            <a:avLst/>
+          </a:prstGeom>
+          <a:noFill/>
+          <a:ln w="12700">
+            <a:solidFill>
+              <a:prstClr val="black"/>
+            </a:solidFill>
+          </a:ln>
+        </p:spPr>
+        <p:txBody>
+          <a:bodyPr vert="horz" lIns="91440" tIns="45720" rIns="91440" bIns="45720" rtlCol="0" anchor="ctr"/>
+          <a:lstStyle/>
+          <a:p>
+            <a:endParaRPr lang="ko-KR" altLang="en-US"/>
+          </a:p>
+        </p:txBody>
+      </p:sp>
+      <p:sp>
+        <p:nvSpPr>
+          <p:cNvPr id="5" name="슬라이드 노트 개체 틀 4"/>
+          <p:cNvSpPr>
+            <a:spLocks noGrp="1"/>
+          </p:cNvSpPr>
+          <p:nvPr>
+            <p:ph type="body" sz="quarter" idx="3"/>
+          </p:nvPr>
+        </p:nvSpPr>
+        <p:spPr>
+          <a:xfrm>
+            <a:off x="685800" y="4400550"/>
+            <a:ext cx="5486400" cy="3600450"/>
+          </a:xfrm>
+          <a:prstGeom prst="rect">
+            <a:avLst/>
+          </a:prstGeom>
+        </p:spPr>
+        <p:txBody>
+          <a:bodyPr vert="horz" lIns="91440" tIns="45720" rIns="91440" bIns="45720" rtlCol="0"/>
+          <a:lstStyle/>
+          <a:p>
+            <a:pPr lvl="0"/>
+            <a:r>
+              <a:rPr lang="ko-KR" altLang="en-US" smtClean="0"/>
+              <a:t>마스터 텍스트 스타일 편집</a:t>
+            </a:r>
+          </a:p>
+          <a:p>
+            <a:pPr lvl="1"/>
+            <a:r>
+              <a:rPr lang="ko-KR" altLang="en-US" smtClean="0"/>
+              <a:t>둘째 수준</a:t>
+            </a:r>
+          </a:p>
+          <a:p>
+            <a:pPr lvl="2"/>
+            <a:r>
+              <a:rPr lang="ko-KR" altLang="en-US" smtClean="0"/>
+              <a:t>셋째 수준</a:t>
+            </a:r>
+          </a:p>
+          <a:p>
+            <a:pPr lvl="3"/>
+            <a:r>
+              <a:rPr lang="ko-KR" altLang="en-US" smtClean="0"/>
+              <a:t>넷째 수준</a:t>
+            </a:r>
+          </a:p>
+          <a:p>
+            <a:pPr lvl="4"/>
+            <a:r>
+              <a:rPr lang="ko-KR" altLang="en-US" smtClean="0"/>
+              <a:t>다섯째 수준</a:t>
+            </a:r>
+            <a:endParaRPr lang="ko-KR" altLang="en-US"/>
+          </a:p>
+        </p:txBody>
+      </p:sp>
+      <p:sp>
+        <p:nvSpPr>
+          <p:cNvPr id="6" name="바닥글 개체 틀 5"/>
+          <p:cNvSpPr>
+            <a:spLocks noGrp="1"/>
+          </p:cNvSpPr>
+          <p:nvPr>
+            <p:ph type="ftr" sz="quarter" idx="4"/>
+          </p:nvPr>
+        </p:nvSpPr>
+        <p:spPr>
+          <a:xfrm>
+            <a:off x="0" y="8685213"/>
+            <a:ext cx="2971800" cy="458787"/>
+          </a:xfrm>
+          <a:prstGeom prst="rect">
+            <a:avLst/>
+          </a:prstGeom>
+        </p:spPr>
+        <p:txBody>
+          <a:bodyPr vert="horz" lIns="91440" tIns="45720" rIns="91440" bIns="45720" rtlCol="0" anchor="b"/>
+          <a:lstStyle>
+            <a:lvl1pPr algn="l">
+              <a:defRPr sz="1200"/>
+            </a:lvl1pPr>
+          </a:lstStyle>
+          <a:p>
+            <a:endParaRPr lang="ko-KR" altLang="en-US"/>
+          </a:p>
+        </p:txBody>
+      </p:sp>
+      <p:sp>
+        <p:nvSpPr>
+          <p:cNvPr id="7" name="슬라이드 번호 개체 틀 6"/>
+          <p:cNvSpPr>
+            <a:spLocks noGrp="1"/>
+          </p:cNvSpPr>
+          <p:nvPr>
+            <p:ph type="sldNum" sz="quarter" idx="5"/>
+          </p:nvPr>
+        </p:nvSpPr>
+        <p:spPr>
+          <a:xfrm>
+            <a:off x="3884613" y="8685213"/>
+            <a:ext cx="2971800" cy="458787"/>
+          </a:xfrm>
+          <a:prstGeom prst="rect">
+            <a:avLst/>
+          </a:prstGeom>
+        </p:spPr>
+        <p:txBody>
+          <a:bodyPr vert="horz" lIns="91440" tIns="45720" rIns="91440" bIns="45720" rtlCol="0" anchor="b"/>
+          <a:lstStyle>
+            <a:lvl1pPr algn="r">
+              <a:defRPr sz="1200"/>
+            </a:lvl1pPr>
+          </a:lstStyle>
+          <a:p>
+            <a:fld id="{E09E13A9-2121-4EAF-900F-6BB590DBF82F}" type="slidenum">
+              <a:rPr lang="ko-KR" altLang="en-US" smtClean="0"/>
+              <a:t>‹#›</a:t>
+            </a:fld>
+            <a:endParaRPr lang="ko-KR" altLang="en-US"/>
+          </a:p>
+        </p:txBody>
+      </p:sp>
+    </p:spTree>
+    <p:extLst>
+      <p:ext uri="{BB962C8B-B14F-4D97-AF65-F5344CB8AC3E}">
+        <p14:creationId xmlns:p14="http://schemas.microsoft.com/office/powerpoint/2010/main" val="1183042618"/>
+      </p:ext>
+    </p:extLst>
+  </p:cSld>
+  <p:clrMap bg1="lt1" tx1="dk1" bg2="lt2" tx2="dk2" accent1="accent1" accent2="accent2" accent3="accent3" accent4="accent4" accent5="accent5" accent6="accent6" hlink="hlink" folHlink="folHlink"/>
+  <p:notesStyle>
+    <a:lvl1pPr marL="0" algn="l" defTabSz="914400" rtl="0" eaLnBrk="1" latinLnBrk="1" hangingPunct="1">
+      <a:defRPr sz="1200" kern="1200">
+        <a:solidFill>
+          <a:schemeClr val="tx1"/>
+        </a:solidFill>
+        <a:latin typeface="+mn-lt"/>
+        <a:ea typeface="+mn-ea"/>
+        <a:cs typeface="+mn-cs"/>
+      </a:defRPr>
+    </a:lvl1pPr>
+    <a:lvl2pPr marL="457200" algn="l" defTabSz="914400" rtl="0" eaLnBrk="1" latinLnBrk="1" hangingPunct="1">
+      <a:defRPr sz="1200" kern="1200">
+        <a:solidFill>
+          <a:schemeClr val="tx1"/>
+        </a:solidFill>
+        <a:latin typeface="+mn-lt"/>
+        <a:ea typeface="+mn-ea"/>
+        <a:cs typeface="+mn-cs"/>
+      </a:defRPr>
+    </a:lvl2pPr>
+    <a:lvl3pPr marL="914400" algn="l" defTabSz="914400" rtl="0" eaLnBrk="1" latinLnBrk="1" hangingPunct="1">
+      <a:defRPr sz="1200" kern="1200">
+        <a:solidFill>
+          <a:schemeClr val="tx1"/>
+        </a:solidFill>
+        <a:latin typeface="+mn-lt"/>
+        <a:ea typeface="+mn-ea"/>
+        <a:cs typeface="+mn-cs"/>
+      </a:defRPr>
+    </a:lvl3pPr>
+    <a:lvl4pPr marL="1371600" algn="l" defTabSz="914400" rtl="0" eaLnBrk="1" latinLnBrk="1" hangingPunct="1">
+      <a:defRPr sz="1200" kern="1200">
+        <a:solidFill>
+          <a:schemeClr val="tx1"/>
+        </a:solidFill>
+        <a:latin typeface="+mn-lt"/>
+        <a:ea typeface="+mn-ea"/>
+        <a:cs typeface="+mn-cs"/>
+      </a:defRPr>
+    </a:lvl4pPr>
+    <a:lvl5pPr marL="1828800" algn="l" defTabSz="914400" rtl="0" eaLnBrk="1" latinLnBrk="1" hangingPunct="1">
+      <a:defRPr sz="1200" kern="1200">
+        <a:solidFill>
+          <a:schemeClr val="tx1"/>
+        </a:solidFill>
+        <a:latin typeface="+mn-lt"/>
+        <a:ea typeface="+mn-ea"/>
+        <a:cs typeface="+mn-cs"/>
+      </a:defRPr>
+    </a:lvl5pPr>
+    <a:lvl6pPr marL="2286000" algn="l" defTabSz="914400" rtl="0" eaLnBrk="1" latinLnBrk="1" hangingPunct="1">
+      <a:defRPr sz="1200" kern="1200">
+        <a:solidFill>
+          <a:schemeClr val="tx1"/>
+        </a:solidFill>
+        <a:latin typeface="+mn-lt"/>
+        <a:ea typeface="+mn-ea"/>
+        <a:cs typeface="+mn-cs"/>
+      </a:defRPr>
+    </a:lvl6pPr>
+    <a:lvl7pPr marL="2743200" algn="l" defTabSz="914400" rtl="0" eaLnBrk="1" latinLnBrk="1" hangingPunct="1">
+      <a:defRPr sz="1200" kern="1200">
+        <a:solidFill>
+          <a:schemeClr val="tx1"/>
+        </a:solidFill>
+        <a:latin typeface="+mn-lt"/>
+        <a:ea typeface="+mn-ea"/>
+        <a:cs typeface="+mn-cs"/>
+      </a:defRPr>
+    </a:lvl7pPr>
+    <a:lvl8pPr marL="3200400" algn="l" defTabSz="914400" rtl="0" eaLnBrk="1" latinLnBrk="1" hangingPunct="1">
+      <a:defRPr sz="1200" kern="1200">
+        <a:solidFill>
+          <a:schemeClr val="tx1"/>
+        </a:solidFill>
+        <a:latin typeface="+mn-lt"/>
+        <a:ea typeface="+mn-ea"/>
+        <a:cs typeface="+mn-cs"/>
+      </a:defRPr>
+    </a:lvl8pPr>
+    <a:lvl9pPr marL="3657600" algn="l" defTabSz="914400" rtl="0" eaLnBrk="1" latinLnBrk="1" hangingPunct="1">
+      <a:defRPr sz="1200" kern="1200">
+        <a:solidFill>
+          <a:schemeClr val="tx1"/>
+        </a:solidFill>
+        <a:latin typeface="+mn-lt"/>
+        <a:ea typeface="+mn-ea"/>
+        <a:cs typeface="+mn-cs"/>
+      </a:defRPr>
+    </a:lvl9pPr>
+  </p:notesStyle>
+</p:notesMaster>
+</file>
+
+<file path=ppt/notesSlides/notesSlide1.xml><?xml version="1.0" encoding="utf-8"?>
+<p:notes xmlns:a="http://schemas.openxmlformats.org/drawingml/2006/main" xmlns:r="http://schemas.openxmlformats.org/officeDocument/2006/relationships" xmlns:p="http://schemas.openxmlformats.org/presentationml/2006/main" showMasterSp="0" showMasterPhAnim="0">
+  <p:cSld>
+    <p:spTree>
+      <p:nvGrpSpPr>
+        <p:cNvPr id="1" name="Shape 50"/>
+        <p:cNvGrpSpPr/>
+        <p:nvPr/>
+      </p:nvGrpSpPr>
+      <p:grpSpPr>
+        <a:xfrm>
+          <a:off x="0" y="0"/>
+          <a:ext cx="0" cy="0"/>
+          <a:chOff x="0" y="0"/>
+          <a:chExt cx="0" cy="0"/>
+        </a:xfrm>
+      </p:grpSpPr>
+      <p:sp>
+        <p:nvSpPr>
+          <p:cNvPr id="51" name="Google Shape;51;p:notes"/>
+          <p:cNvSpPr>
+            <a:spLocks noGrp="1" noRot="1" noChangeAspect="1"/>
+          </p:cNvSpPr>
+          <p:nvPr>
+            <p:ph type="sldImg" idx="2"/>
+          </p:nvPr>
+        </p:nvSpPr>
+        <p:spPr>
+          <a:xfrm>
+            <a:off x="381000" y="685800"/>
+            <a:ext cx="6096000" cy="3429000"/>
+          </a:xfrm>
+          <a:custGeom>
+            <a:avLst/>
+            <a:gdLst/>
+            <a:ahLst/>
+            <a:cxnLst/>
+            <a:rect l="l" t="t" r="r" b="b"/>
+            <a:pathLst>
+              <a:path w="120000" h="120000" extrusionOk="0">
+                <a:moveTo>
+                  <a:pt x="0" y="0"/>
+                </a:moveTo>
+                <a:lnTo>
+                  <a:pt x="120000" y="0"/>
+                </a:lnTo>
+                <a:lnTo>
+                  <a:pt x="120000" y="120000"/>
+                </a:lnTo>
+                <a:lnTo>
+                  <a:pt x="0" y="120000"/>
+                </a:lnTo>
+                <a:close/>
+              </a:path>
+            </a:pathLst>
+          </a:custGeom>
+        </p:spPr>
+      </p:sp>
+      <p:sp>
+        <p:nvSpPr>
+          <p:cNvPr id="52" name="Google Shape;52;p:notes"/>
+          <p:cNvSpPr txBox="1">
+            <a:spLocks noGrp="1"/>
+          </p:cNvSpPr>
+          <p:nvPr>
+            <p:ph type="body" idx="1"/>
+          </p:nvPr>
+        </p:nvSpPr>
+        <p:spPr>
+          <a:xfrm>
+            <a:off x="685800" y="4343400"/>
+            <a:ext cx="5486400" cy="4114800"/>
+          </a:xfrm>
+          <a:prstGeom prst="rect">
+            <a:avLst/>
+          </a:prstGeom>
+        </p:spPr>
+        <p:txBody>
+          <a:bodyPr spcFirstLastPara="1" wrap="square" lIns="91425" tIns="91425" rIns="91425" bIns="91425" anchor="t" anchorCtr="0">
+            <a:noAutofit/>
+          </a:bodyPr>
+          <a:lstStyle/>
+          <a:p>
+            <a:pPr marL="0" lvl="0" indent="0" algn="l" rtl="0">
+              <a:spcBef>
+                <a:spcPts val="0"/>
+              </a:spcBef>
+              <a:spcAft>
+                <a:spcPts val="0"/>
+              </a:spcAft>
+              <a:buNone/>
+            </a:pPr>
+            <a:endParaRPr/>
+          </a:p>
+        </p:txBody>
+      </p:sp>
+    </p:spTree>
+    <p:extLst>
+      <p:ext uri="{BB962C8B-B14F-4D97-AF65-F5344CB8AC3E}">
+        <p14:creationId xmlns:p14="http://schemas.microsoft.com/office/powerpoint/2010/main" val="3990033887"/>
+      </p:ext>
+    </p:extLst>
+  </p:cSld>
+  <p:clrMapOvr>
+    <a:masterClrMapping/>
+  </p:clrMapOvr>
+</p:notes>
 </file>
 
 <file path=ppt/slideLayouts/slideLayout1.xml><?xml version="1.0" encoding="utf-8"?>
@@ -2974,18 +3447,19 @@
             <p:ph type="ctrTitle"/>
           </p:nvPr>
         </p:nvSpPr>
-        <p:spPr/>
+        <p:spPr>
+          <a:xfrm>
+            <a:off x="5836023" y="584480"/>
+            <a:ext cx="4831976" cy="2387600"/>
+          </a:xfrm>
+        </p:spPr>
         <p:txBody>
           <a:bodyPr/>
           <a:lstStyle/>
           <a:p>
             <a:r>
               <a:rPr lang="en-US" altLang="ko-KR" dirty="0" smtClean="0"/>
-              <a:t>EZEN FUN</a:t>
-            </a:r>
-            <a:r>
-              <a:rPr lang="ko-KR" altLang="en-US" dirty="0" err="1" smtClean="0"/>
-              <a:t>딩</a:t>
+              <a:t>CROWD FUNDING</a:t>
             </a:r>
             <a:endParaRPr lang="ko-KR" altLang="en-US" dirty="0"/>
           </a:p>
@@ -3003,13 +3477,13 @@
         </p:nvSpPr>
         <p:spPr>
           <a:xfrm>
-            <a:off x="9460522" y="3602038"/>
-            <a:ext cx="1207477" cy="2156924"/>
+            <a:off x="9236577" y="3826120"/>
+            <a:ext cx="1207477" cy="2618642"/>
           </a:xfrm>
         </p:spPr>
         <p:txBody>
           <a:bodyPr>
-            <a:normAutofit fontScale="85000" lnSpcReduction="20000"/>
+            <a:normAutofit lnSpcReduction="10000"/>
           </a:bodyPr>
           <a:lstStyle/>
           <a:p>
@@ -3025,6 +3499,20 @@
           </a:p>
           <a:p>
             <a:r>
+              <a:rPr lang="ko-KR" altLang="en-US" dirty="0" err="1"/>
+              <a:t>권기범</a:t>
+            </a:r>
+            <a:endParaRPr lang="ko-KR" altLang="en-US" dirty="0"/>
+          </a:p>
+          <a:p>
+            <a:r>
+              <a:rPr lang="ko-KR" altLang="en-US" dirty="0" err="1" smtClean="0"/>
+              <a:t>김용승</a:t>
+            </a:r>
+            <a:endParaRPr lang="en-US" altLang="ko-KR" dirty="0" smtClean="0"/>
+          </a:p>
+          <a:p>
+            <a:r>
               <a:rPr lang="ko-KR" altLang="en-US" dirty="0" smtClean="0"/>
               <a:t>김현태</a:t>
             </a:r>
@@ -3044,17 +3532,75 @@
             </a:r>
             <a:endParaRPr lang="en-US" altLang="ko-KR" dirty="0" smtClean="0"/>
           </a:p>
-          <a:p>
-            <a:r>
-              <a:rPr lang="ko-KR" altLang="en-US" dirty="0" err="1" smtClean="0"/>
-              <a:t>김용승</a:t>
-            </a:r>
-            <a:endParaRPr lang="en-US" altLang="ko-KR" dirty="0" smtClean="0"/>
-          </a:p>
-          <a:p>
-            <a:r>
-              <a:rPr lang="ko-KR" altLang="en-US" dirty="0" err="1" smtClean="0"/>
-              <a:t>권기범</a:t>
+        </p:txBody>
+      </p:sp>
+      <p:pic>
+        <p:nvPicPr>
+          <p:cNvPr id="4" name="그림 3"/>
+          <p:cNvPicPr>
+            <a:picLocks noChangeAspect="1"/>
+          </p:cNvPicPr>
+          <p:nvPr/>
+        </p:nvPicPr>
+        <p:blipFill>
+          <a:blip r:embed="rId2">
+            <a:extLst>
+              <a:ext uri="{28A0092B-C50C-407E-A947-70E740481C1C}">
+                <a14:useLocalDpi xmlns:a14="http://schemas.microsoft.com/office/drawing/2010/main" val="0"/>
+              </a:ext>
+            </a:extLst>
+          </a:blip>
+          <a:stretch>
+            <a:fillRect/>
+          </a:stretch>
+        </p:blipFill>
+        <p:spPr>
+          <a:xfrm>
+            <a:off x="621925" y="996462"/>
+            <a:ext cx="4762500" cy="4762500"/>
+          </a:xfrm>
+          <a:prstGeom prst="rect">
+            <a:avLst/>
+          </a:prstGeom>
+        </p:spPr>
+      </p:pic>
+      <p:sp>
+        <p:nvSpPr>
+          <p:cNvPr id="5" name="TextBox 4"/>
+          <p:cNvSpPr txBox="1"/>
+          <p:nvPr/>
+        </p:nvSpPr>
+        <p:spPr>
+          <a:xfrm>
+            <a:off x="5996354" y="3112477"/>
+            <a:ext cx="5037992" cy="369332"/>
+          </a:xfrm>
+          <a:prstGeom prst="rect">
+            <a:avLst/>
+          </a:prstGeom>
+          <a:noFill/>
+        </p:spPr>
+        <p:txBody>
+          <a:bodyPr wrap="square" rtlCol="0">
+            <a:spAutoFit/>
+          </a:bodyPr>
+          <a:lstStyle/>
+          <a:p>
+            <a:r>
+              <a:rPr lang="en-US" altLang="ko-KR" dirty="0" smtClean="0"/>
+              <a:t>SNS</a:t>
+            </a:r>
+            <a:r>
+              <a:rPr lang="ko-KR" altLang="en-US" dirty="0" smtClean="0"/>
+              <a:t>를 통한 다수로부터 소규모 후원</a:t>
+            </a:r>
+            <a:r>
+              <a:rPr lang="en-US" altLang="ko-KR" dirty="0" smtClean="0"/>
+              <a:t>, </a:t>
+            </a:r>
+            <a:r>
+              <a:rPr lang="ko-KR" altLang="en-US" dirty="0" smtClean="0"/>
+              <a:t>투자 모음</a:t>
             </a:r>
             <a:endParaRPr lang="ko-KR" altLang="en-US" dirty="0"/>
           </a:p>
@@ -3064,6 +3610,2546 @@
     <p:extLst>
       <p:ext uri="{BB962C8B-B14F-4D97-AF65-F5344CB8AC3E}">
         <p14:creationId xmlns:p14="http://schemas.microsoft.com/office/powerpoint/2010/main" val="2467492168"/>
+      </p:ext>
+    </p:extLst>
+  </p:cSld>
+  <p:clrMapOvr>
+    <a:masterClrMapping/>
+  </p:clrMapOvr>
+</p:sld>
+</file>
+
+<file path=ppt/slides/slide2.xml><?xml version="1.0" encoding="utf-8"?>
+<p:sld xmlns:a="http://schemas.openxmlformats.org/drawingml/2006/main" xmlns:r="http://schemas.openxmlformats.org/officeDocument/2006/relationships" xmlns:p="http://schemas.openxmlformats.org/presentationml/2006/main">
+  <p:cSld>
+    <p:spTree>
+      <p:nvGrpSpPr>
+        <p:cNvPr id="1" name=""/>
+        <p:cNvGrpSpPr/>
+        <p:nvPr/>
+      </p:nvGrpSpPr>
+      <p:grpSpPr>
+        <a:xfrm>
+          <a:off x="0" y="0"/>
+          <a:ext cx="0" cy="0"/>
+          <a:chOff x="0" y="0"/>
+          <a:chExt cx="0" cy="0"/>
+        </a:xfrm>
+      </p:grpSpPr>
+      <p:sp>
+        <p:nvSpPr>
+          <p:cNvPr id="2" name="제목 1"/>
+          <p:cNvSpPr>
+            <a:spLocks noGrp="1"/>
+          </p:cNvSpPr>
+          <p:nvPr>
+            <p:ph type="title"/>
+          </p:nvPr>
+        </p:nvSpPr>
+        <p:spPr/>
+        <p:txBody>
+          <a:bodyPr/>
+          <a:lstStyle/>
+          <a:p>
+            <a:r>
+              <a:rPr lang="ko-KR" altLang="en-US" dirty="0" smtClean="0"/>
+              <a:t>순서</a:t>
+            </a:r>
+            <a:endParaRPr lang="ko-KR" altLang="en-US" dirty="0"/>
+          </a:p>
+        </p:txBody>
+      </p:sp>
+      <p:sp>
+        <p:nvSpPr>
+          <p:cNvPr id="3" name="내용 개체 틀 2"/>
+          <p:cNvSpPr>
+            <a:spLocks noGrp="1"/>
+          </p:cNvSpPr>
+          <p:nvPr>
+            <p:ph idx="1"/>
+          </p:nvPr>
+        </p:nvSpPr>
+        <p:spPr/>
+        <p:txBody>
+          <a:bodyPr/>
+          <a:lstStyle/>
+          <a:p>
+            <a:pPr marL="514350" indent="-514350">
+              <a:buFont typeface="+mj-lt"/>
+              <a:buAutoNum type="arabicPeriod"/>
+            </a:pPr>
+            <a:r>
+              <a:rPr lang="ko-KR" altLang="en-US" dirty="0" smtClean="0"/>
+              <a:t>주제 선정 이유</a:t>
+            </a:r>
+            <a:endParaRPr lang="en-US" altLang="ko-KR" dirty="0" smtClean="0"/>
+          </a:p>
+          <a:p>
+            <a:pPr marL="514350" indent="-514350">
+              <a:buFont typeface="+mj-lt"/>
+              <a:buAutoNum type="arabicPeriod"/>
+            </a:pPr>
+            <a:r>
+              <a:rPr lang="ko-KR" altLang="en-US" dirty="0" smtClean="0"/>
+              <a:t>기능 흐름도</a:t>
+            </a:r>
+            <a:endParaRPr lang="en-US" altLang="ko-KR" dirty="0" smtClean="0"/>
+          </a:p>
+          <a:p>
+            <a:pPr marL="514350" indent="-514350">
+              <a:buFont typeface="+mj-lt"/>
+              <a:buAutoNum type="arabicPeriod"/>
+            </a:pPr>
+            <a:r>
+              <a:rPr lang="ko-KR" altLang="en-US" dirty="0" smtClean="0"/>
+              <a:t>요구 사항 분석</a:t>
+            </a:r>
+            <a:endParaRPr lang="en-US" altLang="ko-KR" dirty="0" smtClean="0"/>
+          </a:p>
+          <a:p>
+            <a:pPr marL="514350" indent="-514350">
+              <a:buFont typeface="+mj-lt"/>
+              <a:buAutoNum type="arabicPeriod"/>
+            </a:pPr>
+            <a:r>
+              <a:rPr lang="ko-KR" altLang="en-US" dirty="0" smtClean="0"/>
+              <a:t>주요 기능 소개</a:t>
+            </a:r>
+            <a:endParaRPr lang="en-US" altLang="ko-KR" dirty="0" smtClean="0"/>
+          </a:p>
+          <a:p>
+            <a:pPr marL="514350" indent="-514350">
+              <a:buFont typeface="+mj-lt"/>
+              <a:buAutoNum type="arabicPeriod"/>
+            </a:pPr>
+            <a:r>
+              <a:rPr lang="ko-KR" altLang="en-US" dirty="0" smtClean="0"/>
+              <a:t>화면 설계서</a:t>
+            </a:r>
+            <a:endParaRPr lang="ko-KR" altLang="en-US" dirty="0"/>
+          </a:p>
+        </p:txBody>
+      </p:sp>
+    </p:spTree>
+    <p:extLst>
+      <p:ext uri="{BB962C8B-B14F-4D97-AF65-F5344CB8AC3E}">
+        <p14:creationId xmlns:p14="http://schemas.microsoft.com/office/powerpoint/2010/main" val="2740797949"/>
+      </p:ext>
+    </p:extLst>
+  </p:cSld>
+  <p:clrMapOvr>
+    <a:masterClrMapping/>
+  </p:clrMapOvr>
+</p:sld>
+</file>
+
+<file path=ppt/slides/slide3.xml><?xml version="1.0" encoding="utf-8"?>
+<p:sld xmlns:a="http://schemas.openxmlformats.org/drawingml/2006/main" xmlns:r="http://schemas.openxmlformats.org/officeDocument/2006/relationships" xmlns:p="http://schemas.openxmlformats.org/presentationml/2006/main">
+  <p:cSld>
+    <p:spTree>
+      <p:nvGrpSpPr>
+        <p:cNvPr id="1" name=""/>
+        <p:cNvGrpSpPr/>
+        <p:nvPr/>
+      </p:nvGrpSpPr>
+      <p:grpSpPr>
+        <a:xfrm>
+          <a:off x="0" y="0"/>
+          <a:ext cx="0" cy="0"/>
+          <a:chOff x="0" y="0"/>
+          <a:chExt cx="0" cy="0"/>
+        </a:xfrm>
+      </p:grpSpPr>
+      <p:sp>
+        <p:nvSpPr>
+          <p:cNvPr id="2" name="제목 1"/>
+          <p:cNvSpPr>
+            <a:spLocks noGrp="1"/>
+          </p:cNvSpPr>
+          <p:nvPr>
+            <p:ph type="title"/>
+          </p:nvPr>
+        </p:nvSpPr>
+        <p:spPr/>
+        <p:txBody>
+          <a:bodyPr/>
+          <a:lstStyle/>
+          <a:p>
+            <a:r>
+              <a:rPr lang="en-US" altLang="ko-KR" dirty="0" smtClean="0"/>
+              <a:t>1. </a:t>
+            </a:r>
+            <a:r>
+              <a:rPr lang="ko-KR" altLang="en-US" dirty="0" smtClean="0"/>
+              <a:t>주제 </a:t>
+            </a:r>
+            <a:r>
+              <a:rPr lang="ko-KR" altLang="en-US" dirty="0"/>
+              <a:t>선정 </a:t>
+            </a:r>
+            <a:r>
+              <a:rPr lang="ko-KR" altLang="en-US" dirty="0" smtClean="0"/>
+              <a:t>이유</a:t>
+            </a:r>
+            <a:endParaRPr lang="ko-KR" altLang="en-US" dirty="0"/>
+          </a:p>
+        </p:txBody>
+      </p:sp>
+      <p:sp>
+        <p:nvSpPr>
+          <p:cNvPr id="3" name="내용 개체 틀 2"/>
+          <p:cNvSpPr>
+            <a:spLocks noGrp="1"/>
+          </p:cNvSpPr>
+          <p:nvPr>
+            <p:ph idx="1"/>
+          </p:nvPr>
+        </p:nvSpPr>
+        <p:spPr/>
+        <p:txBody>
+          <a:bodyPr/>
+          <a:lstStyle/>
+          <a:p>
+            <a:endParaRPr lang="ko-KR" altLang="en-US"/>
+          </a:p>
+        </p:txBody>
+      </p:sp>
+    </p:spTree>
+    <p:extLst>
+      <p:ext uri="{BB962C8B-B14F-4D97-AF65-F5344CB8AC3E}">
+        <p14:creationId xmlns:p14="http://schemas.microsoft.com/office/powerpoint/2010/main" val="962345293"/>
+      </p:ext>
+    </p:extLst>
+  </p:cSld>
+  <p:clrMapOvr>
+    <a:masterClrMapping/>
+  </p:clrMapOvr>
+</p:sld>
+</file>
+
+<file path=ppt/slides/slide4.xml><?xml version="1.0" encoding="utf-8"?>
+<p:sld xmlns:a="http://schemas.openxmlformats.org/drawingml/2006/main" xmlns:r="http://schemas.openxmlformats.org/officeDocument/2006/relationships" xmlns:p="http://schemas.openxmlformats.org/presentationml/2006/main">
+  <p:cSld>
+    <p:spTree>
+      <p:nvGrpSpPr>
+        <p:cNvPr id="1" name=""/>
+        <p:cNvGrpSpPr/>
+        <p:nvPr/>
+      </p:nvGrpSpPr>
+      <p:grpSpPr>
+        <a:xfrm>
+          <a:off x="0" y="0"/>
+          <a:ext cx="0" cy="0"/>
+          <a:chOff x="0" y="0"/>
+          <a:chExt cx="0" cy="0"/>
+        </a:xfrm>
+      </p:grpSpPr>
+      <p:sp>
+        <p:nvSpPr>
+          <p:cNvPr id="2" name="제목 1"/>
+          <p:cNvSpPr>
+            <a:spLocks noGrp="1"/>
+          </p:cNvSpPr>
+          <p:nvPr>
+            <p:ph type="title"/>
+          </p:nvPr>
+        </p:nvSpPr>
+        <p:spPr/>
+        <p:txBody>
+          <a:bodyPr/>
+          <a:lstStyle/>
+          <a:p>
+            <a:r>
+              <a:rPr lang="en-US" altLang="ko-KR" dirty="0" smtClean="0"/>
+              <a:t>2. </a:t>
+            </a:r>
+            <a:r>
+              <a:rPr lang="ko-KR" altLang="en-US" dirty="0" smtClean="0"/>
+              <a:t>기능 흐름도</a:t>
+            </a:r>
+            <a:endParaRPr lang="ko-KR" altLang="en-US" dirty="0"/>
+          </a:p>
+        </p:txBody>
+      </p:sp>
+      <p:sp>
+        <p:nvSpPr>
+          <p:cNvPr id="3" name="내용 개체 틀 2"/>
+          <p:cNvSpPr>
+            <a:spLocks noGrp="1"/>
+          </p:cNvSpPr>
+          <p:nvPr>
+            <p:ph idx="1"/>
+          </p:nvPr>
+        </p:nvSpPr>
+        <p:spPr/>
+        <p:txBody>
+          <a:bodyPr/>
+          <a:lstStyle/>
+          <a:p>
+            <a:endParaRPr lang="ko-KR" altLang="en-US"/>
+          </a:p>
+        </p:txBody>
+      </p:sp>
+    </p:spTree>
+    <p:extLst>
+      <p:ext uri="{BB962C8B-B14F-4D97-AF65-F5344CB8AC3E}">
+        <p14:creationId xmlns:p14="http://schemas.microsoft.com/office/powerpoint/2010/main" val="669541008"/>
+      </p:ext>
+    </p:extLst>
+  </p:cSld>
+  <p:clrMapOvr>
+    <a:masterClrMapping/>
+  </p:clrMapOvr>
+</p:sld>
+</file>
+
+<file path=ppt/slides/slide5.xml><?xml version="1.0" encoding="utf-8"?>
+<p:sld xmlns:a="http://schemas.openxmlformats.org/drawingml/2006/main" xmlns:r="http://schemas.openxmlformats.org/officeDocument/2006/relationships" xmlns:p="http://schemas.openxmlformats.org/presentationml/2006/main">
+  <p:cSld>
+    <p:spTree>
+      <p:nvGrpSpPr>
+        <p:cNvPr id="1" name="Shape 53"/>
+        <p:cNvGrpSpPr/>
+        <p:nvPr/>
+      </p:nvGrpSpPr>
+      <p:grpSpPr>
+        <a:xfrm>
+          <a:off x="0" y="0"/>
+          <a:ext cx="0" cy="0"/>
+          <a:chOff x="0" y="0"/>
+          <a:chExt cx="0" cy="0"/>
+        </a:xfrm>
+      </p:grpSpPr>
+      <p:pic>
+        <p:nvPicPr>
+          <p:cNvPr id="55" name="Google Shape;55;p13"/>
+          <p:cNvPicPr preferRelativeResize="0"/>
+          <p:nvPr/>
+        </p:nvPicPr>
+        <p:blipFill>
+          <a:blip r:embed="rId3">
+            <a:alphaModFix/>
+          </a:blip>
+          <a:stretch>
+            <a:fillRect/>
+          </a:stretch>
+        </p:blipFill>
+        <p:spPr>
+          <a:xfrm>
+            <a:off x="663945" y="3169561"/>
+            <a:ext cx="354000" cy="708000"/>
+          </a:xfrm>
+          <a:prstGeom prst="rect">
+            <a:avLst/>
+          </a:prstGeom>
+          <a:noFill/>
+          <a:ln>
+            <a:noFill/>
+          </a:ln>
+        </p:spPr>
+      </p:pic>
+      <p:sp>
+        <p:nvSpPr>
+          <p:cNvPr id="58" name="Google Shape;58;p13"/>
+          <p:cNvSpPr txBox="1"/>
+          <p:nvPr/>
+        </p:nvSpPr>
+        <p:spPr>
+          <a:xfrm>
+            <a:off x="448406" y="1089595"/>
+            <a:ext cx="745961" cy="614696"/>
+          </a:xfrm>
+          <a:prstGeom prst="rect">
+            <a:avLst/>
+          </a:prstGeom>
+          <a:noFill/>
+          <a:ln>
+            <a:noFill/>
+          </a:ln>
+        </p:spPr>
+        <p:txBody>
+          <a:bodyPr spcFirstLastPara="1" wrap="square" lIns="121897" tIns="121897" rIns="121897" bIns="121897" anchor="t" anchorCtr="0">
+            <a:noAutofit/>
+          </a:bodyPr>
+          <a:lstStyle/>
+          <a:p>
+            <a:pPr algn="ctr"/>
+            <a:r>
+              <a:rPr lang="ko-KR" altLang="en-US" sz="1300" b="1" dirty="0" smtClean="0"/>
+              <a:t>메이커</a:t>
+            </a:r>
+            <a:endParaRPr lang="en-US" altLang="ko" sz="1300" b="1" dirty="0"/>
+          </a:p>
+          <a:p>
+            <a:pPr algn="ctr"/>
+            <a:r>
+              <a:rPr lang="ko" altLang="en-US" sz="1300" b="1" dirty="0"/>
+              <a:t>회원</a:t>
+            </a:r>
+            <a:endParaRPr sz="1300" b="1" dirty="0"/>
+          </a:p>
+        </p:txBody>
+      </p:sp>
+      <p:pic>
+        <p:nvPicPr>
+          <p:cNvPr id="60" name="Google Shape;60;p13"/>
+          <p:cNvPicPr preferRelativeResize="0"/>
+          <p:nvPr/>
+        </p:nvPicPr>
+        <p:blipFill>
+          <a:blip r:embed="rId3">
+            <a:alphaModFix/>
+          </a:blip>
+          <a:stretch>
+            <a:fillRect/>
+          </a:stretch>
+        </p:blipFill>
+        <p:spPr>
+          <a:xfrm>
+            <a:off x="11248567" y="1730667"/>
+            <a:ext cx="708000" cy="1416000"/>
+          </a:xfrm>
+          <a:prstGeom prst="rect">
+            <a:avLst/>
+          </a:prstGeom>
+          <a:noFill/>
+          <a:ln>
+            <a:noFill/>
+          </a:ln>
+        </p:spPr>
+      </p:pic>
+      <p:sp>
+        <p:nvSpPr>
+          <p:cNvPr id="63" name="Google Shape;63;p13"/>
+          <p:cNvSpPr/>
+          <p:nvPr/>
+        </p:nvSpPr>
+        <p:spPr>
+          <a:xfrm>
+            <a:off x="2183427" y="5103923"/>
+            <a:ext cx="2583200" cy="461600"/>
+          </a:xfrm>
+          <a:prstGeom prst="rect">
+            <a:avLst/>
+          </a:prstGeom>
+          <a:solidFill>
+            <a:schemeClr val="lt2"/>
+          </a:solidFill>
+          <a:ln w="9525" cap="flat" cmpd="sng">
+            <a:solidFill>
+              <a:schemeClr val="dk2"/>
+            </a:solidFill>
+            <a:prstDash val="solid"/>
+            <a:round/>
+            <a:headEnd type="none" w="sm" len="sm"/>
+            <a:tailEnd type="none" w="sm" len="sm"/>
+          </a:ln>
+        </p:spPr>
+        <p:txBody>
+          <a:bodyPr spcFirstLastPara="1" wrap="square" lIns="121897" tIns="121897" rIns="121897" bIns="121897" anchor="ctr" anchorCtr="0">
+            <a:noAutofit/>
+          </a:bodyPr>
+          <a:lstStyle/>
+          <a:p>
+            <a:pPr algn="ctr"/>
+            <a:r>
+              <a:rPr lang="ko" altLang="en-US" sz="1300" dirty="0" smtClean="0"/>
+              <a:t>로그인 </a:t>
+            </a:r>
+            <a:r>
+              <a:rPr lang="en-US" altLang="ko" sz="1300" dirty="0" smtClean="0"/>
+              <a:t>/ </a:t>
+            </a:r>
+            <a:r>
+              <a:rPr lang="ko" altLang="en-US" sz="1300" dirty="0" smtClean="0"/>
+              <a:t>회원가입</a:t>
+            </a:r>
+            <a:endParaRPr sz="1300" dirty="0"/>
+          </a:p>
+        </p:txBody>
+      </p:sp>
+      <p:sp>
+        <p:nvSpPr>
+          <p:cNvPr id="64" name="Google Shape;64;p13"/>
+          <p:cNvSpPr/>
+          <p:nvPr/>
+        </p:nvSpPr>
+        <p:spPr>
+          <a:xfrm>
+            <a:off x="2183427" y="1791359"/>
+            <a:ext cx="2583200" cy="461600"/>
+          </a:xfrm>
+          <a:prstGeom prst="rect">
+            <a:avLst/>
+          </a:prstGeom>
+          <a:solidFill>
+            <a:schemeClr val="lt2"/>
+          </a:solidFill>
+          <a:ln w="9525" cap="flat" cmpd="sng">
+            <a:solidFill>
+              <a:schemeClr val="dk2"/>
+            </a:solidFill>
+            <a:prstDash val="solid"/>
+            <a:round/>
+            <a:headEnd type="none" w="sm" len="sm"/>
+            <a:tailEnd type="none" w="sm" len="sm"/>
+          </a:ln>
+        </p:spPr>
+        <p:txBody>
+          <a:bodyPr spcFirstLastPara="1" wrap="square" lIns="121897" tIns="121897" rIns="121897" bIns="121897" anchor="ctr" anchorCtr="0">
+            <a:noAutofit/>
+          </a:bodyPr>
+          <a:lstStyle/>
+          <a:p>
+            <a:pPr algn="ctr">
+              <a:buClr>
+                <a:schemeClr val="dk1"/>
+              </a:buClr>
+              <a:buSzPts val="1100"/>
+            </a:pPr>
+            <a:r>
+              <a:rPr lang="ko-KR" altLang="en-US" sz="1300"/>
+              <a:t>프로젝트 확인</a:t>
+            </a:r>
+            <a:endParaRPr sz="1300" dirty="0"/>
+          </a:p>
+        </p:txBody>
+      </p:sp>
+      <p:sp>
+        <p:nvSpPr>
+          <p:cNvPr id="65" name="Google Shape;65;p13"/>
+          <p:cNvSpPr/>
+          <p:nvPr/>
+        </p:nvSpPr>
+        <p:spPr>
+          <a:xfrm>
+            <a:off x="2183427" y="2343453"/>
+            <a:ext cx="2583200" cy="461600"/>
+          </a:xfrm>
+          <a:prstGeom prst="rect">
+            <a:avLst/>
+          </a:prstGeom>
+          <a:solidFill>
+            <a:schemeClr val="lt2"/>
+          </a:solidFill>
+          <a:ln w="9525" cap="flat" cmpd="sng">
+            <a:solidFill>
+              <a:schemeClr val="dk2"/>
+            </a:solidFill>
+            <a:prstDash val="solid"/>
+            <a:round/>
+            <a:headEnd type="none" w="sm" len="sm"/>
+            <a:tailEnd type="none" w="sm" len="sm"/>
+          </a:ln>
+        </p:spPr>
+        <p:txBody>
+          <a:bodyPr spcFirstLastPara="1" wrap="square" lIns="121897" tIns="121897" rIns="121897" bIns="121897" anchor="ctr" anchorCtr="0">
+            <a:noAutofit/>
+          </a:bodyPr>
+          <a:lstStyle/>
+          <a:p>
+            <a:pPr algn="ctr"/>
+            <a:r>
+              <a:rPr lang="ko-KR" altLang="en-US" sz="1300"/>
+              <a:t>관심 프로젝트 등록</a:t>
+            </a:r>
+            <a:endParaRPr sz="1300" dirty="0"/>
+          </a:p>
+        </p:txBody>
+      </p:sp>
+      <p:sp>
+        <p:nvSpPr>
+          <p:cNvPr id="66" name="Google Shape;66;p13"/>
+          <p:cNvSpPr/>
+          <p:nvPr/>
+        </p:nvSpPr>
+        <p:spPr>
+          <a:xfrm>
+            <a:off x="2183427" y="2895547"/>
+            <a:ext cx="2583200" cy="461600"/>
+          </a:xfrm>
+          <a:prstGeom prst="rect">
+            <a:avLst/>
+          </a:prstGeom>
+          <a:solidFill>
+            <a:schemeClr val="lt2"/>
+          </a:solidFill>
+          <a:ln w="9525" cap="flat" cmpd="sng">
+            <a:solidFill>
+              <a:schemeClr val="dk2"/>
+            </a:solidFill>
+            <a:prstDash val="solid"/>
+            <a:round/>
+            <a:headEnd type="none" w="sm" len="sm"/>
+            <a:tailEnd type="none" w="sm" len="sm"/>
+          </a:ln>
+        </p:spPr>
+        <p:txBody>
+          <a:bodyPr spcFirstLastPara="1" wrap="square" lIns="121897" tIns="121897" rIns="121897" bIns="121897" anchor="ctr" anchorCtr="0">
+            <a:noAutofit/>
+          </a:bodyPr>
+          <a:lstStyle/>
+          <a:p>
+            <a:pPr algn="ctr"/>
+            <a:r>
+              <a:rPr lang="ko-KR" altLang="en-US" sz="1300"/>
+              <a:t>프로젝트 펀딩</a:t>
+            </a:r>
+            <a:endParaRPr sz="1300" dirty="0"/>
+          </a:p>
+        </p:txBody>
+      </p:sp>
+      <p:sp>
+        <p:nvSpPr>
+          <p:cNvPr id="67" name="Google Shape;67;p13"/>
+          <p:cNvSpPr/>
+          <p:nvPr/>
+        </p:nvSpPr>
+        <p:spPr>
+          <a:xfrm>
+            <a:off x="2183427" y="109477"/>
+            <a:ext cx="2583200" cy="461600"/>
+          </a:xfrm>
+          <a:prstGeom prst="rect">
+            <a:avLst/>
+          </a:prstGeom>
+          <a:solidFill>
+            <a:schemeClr val="lt2"/>
+          </a:solidFill>
+          <a:ln w="9525" cap="flat" cmpd="sng">
+            <a:solidFill>
+              <a:schemeClr val="dk2"/>
+            </a:solidFill>
+            <a:prstDash val="solid"/>
+            <a:round/>
+            <a:headEnd type="none" w="sm" len="sm"/>
+            <a:tailEnd type="none" w="sm" len="sm"/>
+          </a:ln>
+        </p:spPr>
+        <p:txBody>
+          <a:bodyPr spcFirstLastPara="1" wrap="square" lIns="121897" tIns="121897" rIns="121897" bIns="121897" anchor="ctr" anchorCtr="0">
+            <a:noAutofit/>
+          </a:bodyPr>
+          <a:lstStyle/>
+          <a:p>
+            <a:pPr algn="ctr"/>
+            <a:r>
+              <a:rPr lang="ko-KR" altLang="en-US" sz="1300" dirty="0" smtClean="0"/>
+              <a:t>프로젝트 제작</a:t>
+            </a:r>
+            <a:r>
+              <a:rPr lang="en-US" altLang="ko-KR" sz="1300" dirty="0" smtClean="0"/>
+              <a:t>(</a:t>
+            </a:r>
+            <a:r>
+              <a:rPr lang="ko-KR" altLang="en-US" sz="1300" dirty="0" smtClean="0"/>
+              <a:t>투자</a:t>
+            </a:r>
+            <a:r>
+              <a:rPr lang="en-US" altLang="ko-KR" sz="1300" dirty="0" smtClean="0"/>
+              <a:t>, </a:t>
+            </a:r>
+            <a:r>
+              <a:rPr lang="ko-KR" altLang="en-US" sz="1300" dirty="0" err="1" smtClean="0"/>
+              <a:t>리워드</a:t>
+            </a:r>
+            <a:r>
+              <a:rPr lang="en-US" altLang="ko-KR" sz="1300" dirty="0" smtClean="0"/>
+              <a:t>)</a:t>
+            </a:r>
+            <a:endParaRPr sz="1300" dirty="0"/>
+          </a:p>
+        </p:txBody>
+      </p:sp>
+      <p:sp>
+        <p:nvSpPr>
+          <p:cNvPr id="68" name="Google Shape;68;p13"/>
+          <p:cNvSpPr/>
+          <p:nvPr/>
+        </p:nvSpPr>
+        <p:spPr>
+          <a:xfrm>
+            <a:off x="2183427" y="661571"/>
+            <a:ext cx="2583200" cy="474400"/>
+          </a:xfrm>
+          <a:prstGeom prst="rect">
+            <a:avLst/>
+          </a:prstGeom>
+          <a:solidFill>
+            <a:schemeClr val="lt2"/>
+          </a:solidFill>
+          <a:ln w="9525" cap="flat" cmpd="sng">
+            <a:solidFill>
+              <a:schemeClr val="dk2"/>
+            </a:solidFill>
+            <a:prstDash val="solid"/>
+            <a:round/>
+            <a:headEnd type="none" w="sm" len="sm"/>
+            <a:tailEnd type="none" w="sm" len="sm"/>
+          </a:ln>
+        </p:spPr>
+        <p:txBody>
+          <a:bodyPr spcFirstLastPara="1" wrap="square" lIns="121897" tIns="121897" rIns="121897" bIns="121897" anchor="ctr" anchorCtr="0">
+            <a:noAutofit/>
+          </a:bodyPr>
+          <a:lstStyle/>
+          <a:p>
+            <a:pPr algn="ctr">
+              <a:buClr>
+                <a:schemeClr val="dk1"/>
+              </a:buClr>
+              <a:buSzPts val="1100"/>
+            </a:pPr>
+            <a:r>
+              <a:rPr lang="ko-KR" altLang="en-US" sz="1300" dirty="0" smtClean="0"/>
+              <a:t>투자 수익 분배</a:t>
+            </a:r>
+            <a:r>
+              <a:rPr lang="en-US" altLang="ko-KR" sz="1300" dirty="0" smtClean="0"/>
+              <a:t>, </a:t>
+            </a:r>
+            <a:r>
+              <a:rPr lang="ko-KR" altLang="en-US" sz="1300" dirty="0" err="1" smtClean="0"/>
+              <a:t>리워드</a:t>
+            </a:r>
+            <a:r>
+              <a:rPr lang="ko-KR" altLang="en-US" sz="1300" dirty="0" smtClean="0"/>
+              <a:t> 제공</a:t>
+            </a:r>
+            <a:endParaRPr sz="1300" dirty="0"/>
+          </a:p>
+        </p:txBody>
+      </p:sp>
+      <p:sp>
+        <p:nvSpPr>
+          <p:cNvPr id="69" name="Google Shape;69;p13"/>
+          <p:cNvSpPr/>
+          <p:nvPr/>
+        </p:nvSpPr>
+        <p:spPr>
+          <a:xfrm>
+            <a:off x="2183427" y="3447641"/>
+            <a:ext cx="2583200" cy="461600"/>
+          </a:xfrm>
+          <a:prstGeom prst="rect">
+            <a:avLst/>
+          </a:prstGeom>
+          <a:solidFill>
+            <a:schemeClr val="lt2"/>
+          </a:solidFill>
+          <a:ln w="9525" cap="flat" cmpd="sng">
+            <a:solidFill>
+              <a:schemeClr val="dk2"/>
+            </a:solidFill>
+            <a:prstDash val="solid"/>
+            <a:round/>
+            <a:headEnd type="none" w="sm" len="sm"/>
+            <a:tailEnd type="none" w="sm" len="sm"/>
+          </a:ln>
+        </p:spPr>
+        <p:txBody>
+          <a:bodyPr spcFirstLastPara="1" wrap="square" lIns="121897" tIns="121897" rIns="121897" bIns="121897" anchor="ctr" anchorCtr="0">
+            <a:noAutofit/>
+          </a:bodyPr>
+          <a:lstStyle/>
+          <a:p>
+            <a:pPr algn="ctr"/>
+            <a:r>
+              <a:rPr lang="ko-KR" altLang="en-US" sz="1300" dirty="0" smtClean="0">
+                <a:solidFill>
+                  <a:schemeClr val="dk1"/>
+                </a:solidFill>
+              </a:rPr>
+              <a:t>프로젝트 신고</a:t>
+            </a:r>
+            <a:endParaRPr sz="1300" dirty="0">
+              <a:solidFill>
+                <a:schemeClr val="dk1"/>
+              </a:solidFill>
+            </a:endParaRPr>
+          </a:p>
+        </p:txBody>
+      </p:sp>
+      <p:sp>
+        <p:nvSpPr>
+          <p:cNvPr id="70" name="Google Shape;70;p13"/>
+          <p:cNvSpPr/>
+          <p:nvPr/>
+        </p:nvSpPr>
+        <p:spPr>
+          <a:xfrm>
+            <a:off x="2183427" y="4551829"/>
+            <a:ext cx="2583200" cy="461600"/>
+          </a:xfrm>
+          <a:prstGeom prst="rect">
+            <a:avLst/>
+          </a:prstGeom>
+          <a:solidFill>
+            <a:schemeClr val="lt2"/>
+          </a:solidFill>
+          <a:ln w="9525" cap="flat" cmpd="sng">
+            <a:solidFill>
+              <a:schemeClr val="dk2"/>
+            </a:solidFill>
+            <a:prstDash val="solid"/>
+            <a:round/>
+            <a:headEnd type="none" w="sm" len="sm"/>
+            <a:tailEnd type="none" w="sm" len="sm"/>
+          </a:ln>
+        </p:spPr>
+        <p:txBody>
+          <a:bodyPr spcFirstLastPara="1" wrap="square" lIns="121897" tIns="121897" rIns="121897" bIns="121897" anchor="ctr" anchorCtr="0">
+            <a:noAutofit/>
+          </a:bodyPr>
+          <a:lstStyle/>
+          <a:p>
+            <a:pPr algn="ctr"/>
+            <a:r>
+              <a:rPr lang="ko-KR" altLang="en-US" sz="1300" dirty="0" smtClean="0"/>
+              <a:t>예치금 결제</a:t>
+            </a:r>
+            <a:endParaRPr sz="1300" dirty="0"/>
+          </a:p>
+        </p:txBody>
+      </p:sp>
+      <p:sp>
+        <p:nvSpPr>
+          <p:cNvPr id="71" name="Google Shape;71;p13"/>
+          <p:cNvSpPr txBox="1"/>
+          <p:nvPr/>
+        </p:nvSpPr>
+        <p:spPr>
+          <a:xfrm>
+            <a:off x="10934559" y="3076157"/>
+            <a:ext cx="1336000" cy="326400"/>
+          </a:xfrm>
+          <a:prstGeom prst="rect">
+            <a:avLst/>
+          </a:prstGeom>
+          <a:noFill/>
+          <a:ln>
+            <a:noFill/>
+          </a:ln>
+        </p:spPr>
+        <p:txBody>
+          <a:bodyPr spcFirstLastPara="1" wrap="square" lIns="121897" tIns="121897" rIns="121897" bIns="121897" anchor="t" anchorCtr="0">
+            <a:noAutofit/>
+          </a:bodyPr>
+          <a:lstStyle/>
+          <a:p>
+            <a:pPr algn="ctr"/>
+            <a:r>
+              <a:rPr lang="ko" altLang="en-US" sz="1300" b="1"/>
+              <a:t>관리자</a:t>
+            </a:r>
+            <a:endParaRPr sz="1300" b="1"/>
+          </a:p>
+        </p:txBody>
+      </p:sp>
+      <p:sp>
+        <p:nvSpPr>
+          <p:cNvPr id="73" name="Google Shape;73;p13"/>
+          <p:cNvSpPr/>
+          <p:nvPr/>
+        </p:nvSpPr>
+        <p:spPr>
+          <a:xfrm>
+            <a:off x="2183427" y="5656020"/>
+            <a:ext cx="2583200" cy="461600"/>
+          </a:xfrm>
+          <a:prstGeom prst="rect">
+            <a:avLst/>
+          </a:prstGeom>
+          <a:solidFill>
+            <a:schemeClr val="lt2"/>
+          </a:solidFill>
+          <a:ln w="9525" cap="flat" cmpd="sng">
+            <a:solidFill>
+              <a:schemeClr val="dk2"/>
+            </a:solidFill>
+            <a:prstDash val="solid"/>
+            <a:round/>
+            <a:headEnd type="none" w="sm" len="sm"/>
+            <a:tailEnd type="none" w="sm" len="sm"/>
+          </a:ln>
+        </p:spPr>
+        <p:txBody>
+          <a:bodyPr spcFirstLastPara="1" wrap="square" lIns="121897" tIns="121897" rIns="121897" bIns="121897" anchor="ctr" anchorCtr="0">
+            <a:noAutofit/>
+          </a:bodyPr>
+          <a:lstStyle/>
+          <a:p>
+            <a:pPr algn="ctr"/>
+            <a:r>
+              <a:rPr lang="ko" altLang="en-US" sz="1300" dirty="0" smtClean="0"/>
+              <a:t>개인정보관리</a:t>
+            </a:r>
+            <a:endParaRPr sz="1300" dirty="0"/>
+          </a:p>
+        </p:txBody>
+      </p:sp>
+      <p:sp>
+        <p:nvSpPr>
+          <p:cNvPr id="74" name="Google Shape;74;p13"/>
+          <p:cNvSpPr/>
+          <p:nvPr/>
+        </p:nvSpPr>
+        <p:spPr>
+          <a:xfrm>
+            <a:off x="5025321" y="6337120"/>
+            <a:ext cx="1336000" cy="361000"/>
+          </a:xfrm>
+          <a:prstGeom prst="rect">
+            <a:avLst/>
+          </a:prstGeom>
+          <a:solidFill>
+            <a:schemeClr val="lt2"/>
+          </a:solidFill>
+          <a:ln w="9525" cap="flat" cmpd="sng">
+            <a:solidFill>
+              <a:schemeClr val="dk2"/>
+            </a:solidFill>
+            <a:prstDash val="solid"/>
+            <a:round/>
+            <a:headEnd type="none" w="sm" len="sm"/>
+            <a:tailEnd type="none" w="sm" len="sm"/>
+          </a:ln>
+        </p:spPr>
+        <p:txBody>
+          <a:bodyPr spcFirstLastPara="1" wrap="square" lIns="121897" tIns="121897" rIns="121897" bIns="121897" anchor="ctr" anchorCtr="0">
+            <a:noAutofit/>
+          </a:bodyPr>
+          <a:lstStyle/>
+          <a:p>
+            <a:pPr algn="ctr"/>
+            <a:r>
+              <a:rPr lang="ko" altLang="en-US" sz="1300" dirty="0"/>
+              <a:t>실시간 채팅</a:t>
+            </a:r>
+            <a:endParaRPr sz="1300" dirty="0"/>
+          </a:p>
+        </p:txBody>
+      </p:sp>
+      <p:cxnSp>
+        <p:nvCxnSpPr>
+          <p:cNvPr id="101" name="Google Shape;101;p13"/>
+          <p:cNvCxnSpPr>
+            <a:stCxn id="60" idx="1"/>
+            <a:endCxn id="102" idx="3"/>
+          </p:cNvCxnSpPr>
+          <p:nvPr/>
+        </p:nvCxnSpPr>
+        <p:spPr>
+          <a:xfrm flipH="1" flipV="1">
+            <a:off x="10192833" y="969435"/>
+            <a:ext cx="1055734" cy="1469232"/>
+          </a:xfrm>
+          <a:prstGeom prst="straightConnector1">
+            <a:avLst/>
+          </a:prstGeom>
+          <a:noFill/>
+          <a:ln w="19050" cap="flat" cmpd="sng">
+            <a:solidFill>
+              <a:schemeClr val="accent6">
+                <a:lumMod val="50000"/>
+              </a:schemeClr>
+            </a:solidFill>
+            <a:prstDash val="solid"/>
+            <a:round/>
+            <a:headEnd type="none" w="med" len="med"/>
+            <a:tailEnd type="triangle" w="med" len="med"/>
+          </a:ln>
+        </p:spPr>
+      </p:cxnSp>
+      <p:sp>
+        <p:nvSpPr>
+          <p:cNvPr id="78" name="Google Shape;78;p13"/>
+          <p:cNvSpPr/>
+          <p:nvPr/>
+        </p:nvSpPr>
+        <p:spPr>
+          <a:xfrm>
+            <a:off x="2183427" y="3999735"/>
+            <a:ext cx="2583200" cy="461600"/>
+          </a:xfrm>
+          <a:prstGeom prst="rect">
+            <a:avLst/>
+          </a:prstGeom>
+          <a:solidFill>
+            <a:schemeClr val="lt2"/>
+          </a:solidFill>
+          <a:ln w="9525" cap="flat" cmpd="sng">
+            <a:solidFill>
+              <a:schemeClr val="dk2"/>
+            </a:solidFill>
+            <a:prstDash val="solid"/>
+            <a:round/>
+            <a:headEnd type="none" w="sm" len="sm"/>
+            <a:tailEnd type="none" w="sm" len="sm"/>
+          </a:ln>
+        </p:spPr>
+        <p:txBody>
+          <a:bodyPr spcFirstLastPara="1" wrap="square" lIns="121897" tIns="121897" rIns="121897" bIns="121897" anchor="ctr" anchorCtr="0">
+            <a:noAutofit/>
+          </a:bodyPr>
+          <a:lstStyle/>
+          <a:p>
+            <a:pPr algn="ctr"/>
+            <a:r>
+              <a:rPr lang="ko-KR" altLang="en-US" sz="1300" dirty="0"/>
+              <a:t>게시판 확인</a:t>
+            </a:r>
+            <a:endParaRPr lang="en-US" altLang="ko-KR" sz="1300" dirty="0"/>
+          </a:p>
+        </p:txBody>
+      </p:sp>
+      <p:sp>
+        <p:nvSpPr>
+          <p:cNvPr id="102" name="Google Shape;102;p13"/>
+          <p:cNvSpPr/>
+          <p:nvPr/>
+        </p:nvSpPr>
+        <p:spPr>
+          <a:xfrm>
+            <a:off x="8323233" y="713435"/>
+            <a:ext cx="1869600" cy="512000"/>
+          </a:xfrm>
+          <a:prstGeom prst="rect">
+            <a:avLst/>
+          </a:prstGeom>
+          <a:solidFill>
+            <a:schemeClr val="lt2"/>
+          </a:solidFill>
+          <a:ln w="9525" cap="flat" cmpd="sng">
+            <a:solidFill>
+              <a:schemeClr val="dk2"/>
+            </a:solidFill>
+            <a:prstDash val="solid"/>
+            <a:round/>
+            <a:headEnd type="none" w="sm" len="sm"/>
+            <a:tailEnd type="none" w="sm" len="sm"/>
+          </a:ln>
+        </p:spPr>
+        <p:txBody>
+          <a:bodyPr spcFirstLastPara="1" wrap="square" lIns="121897" tIns="121897" rIns="121897" bIns="121897" anchor="ctr" anchorCtr="0">
+            <a:noAutofit/>
+          </a:bodyPr>
+          <a:lstStyle/>
+          <a:p>
+            <a:pPr algn="ctr"/>
+            <a:r>
+              <a:rPr lang="ko" altLang="en-US" sz="1300"/>
+              <a:t>메인화면 관리</a:t>
+            </a:r>
+            <a:endParaRPr sz="1300"/>
+          </a:p>
+        </p:txBody>
+      </p:sp>
+      <p:sp>
+        <p:nvSpPr>
+          <p:cNvPr id="113" name="Google Shape;113;p13"/>
+          <p:cNvSpPr/>
+          <p:nvPr/>
+        </p:nvSpPr>
+        <p:spPr>
+          <a:xfrm>
+            <a:off x="8323233" y="2502475"/>
+            <a:ext cx="1869600" cy="512000"/>
+          </a:xfrm>
+          <a:prstGeom prst="rect">
+            <a:avLst/>
+          </a:prstGeom>
+          <a:solidFill>
+            <a:schemeClr val="lt2"/>
+          </a:solidFill>
+          <a:ln w="9525" cap="flat" cmpd="sng">
+            <a:solidFill>
+              <a:schemeClr val="dk2"/>
+            </a:solidFill>
+            <a:prstDash val="solid"/>
+            <a:round/>
+            <a:headEnd type="none" w="sm" len="sm"/>
+            <a:tailEnd type="none" w="sm" len="sm"/>
+          </a:ln>
+        </p:spPr>
+        <p:txBody>
+          <a:bodyPr spcFirstLastPara="1" wrap="square" lIns="121897" tIns="121897" rIns="121897" bIns="121897" anchor="ctr" anchorCtr="0">
+            <a:noAutofit/>
+          </a:bodyPr>
+          <a:lstStyle/>
+          <a:p>
+            <a:pPr algn="ctr"/>
+            <a:r>
+              <a:rPr lang="ko-KR" altLang="en-US" sz="1300" dirty="0" smtClean="0"/>
+              <a:t>프로젝트 관리</a:t>
+            </a:r>
+            <a:endParaRPr sz="1300" dirty="0"/>
+          </a:p>
+        </p:txBody>
+      </p:sp>
+      <p:sp>
+        <p:nvSpPr>
+          <p:cNvPr id="98" name="Google Shape;98;p13"/>
+          <p:cNvSpPr/>
+          <p:nvPr/>
+        </p:nvSpPr>
+        <p:spPr>
+          <a:xfrm>
+            <a:off x="8323233" y="1558000"/>
+            <a:ext cx="1869600" cy="512000"/>
+          </a:xfrm>
+          <a:prstGeom prst="rect">
+            <a:avLst/>
+          </a:prstGeom>
+          <a:solidFill>
+            <a:schemeClr val="lt2"/>
+          </a:solidFill>
+          <a:ln w="9525" cap="flat" cmpd="sng">
+            <a:solidFill>
+              <a:schemeClr val="dk2"/>
+            </a:solidFill>
+            <a:prstDash val="solid"/>
+            <a:round/>
+            <a:headEnd type="none" w="sm" len="sm"/>
+            <a:tailEnd type="none" w="sm" len="sm"/>
+          </a:ln>
+        </p:spPr>
+        <p:txBody>
+          <a:bodyPr spcFirstLastPara="1" wrap="square" lIns="121897" tIns="121897" rIns="121897" bIns="121897" anchor="ctr" anchorCtr="0">
+            <a:noAutofit/>
+          </a:bodyPr>
+          <a:lstStyle/>
+          <a:p>
+            <a:pPr algn="ctr"/>
+            <a:r>
+              <a:rPr lang="ko-KR" altLang="en-US" sz="1300" dirty="0" smtClean="0"/>
+              <a:t>결제 관리</a:t>
+            </a:r>
+            <a:endParaRPr sz="1300" dirty="0"/>
+          </a:p>
+        </p:txBody>
+      </p:sp>
+      <p:sp>
+        <p:nvSpPr>
+          <p:cNvPr id="114" name="Google Shape;114;p13"/>
+          <p:cNvSpPr/>
+          <p:nvPr/>
+        </p:nvSpPr>
+        <p:spPr>
+          <a:xfrm>
+            <a:off x="8323233" y="3396995"/>
+            <a:ext cx="1869600" cy="512000"/>
+          </a:xfrm>
+          <a:prstGeom prst="rect">
+            <a:avLst/>
+          </a:prstGeom>
+          <a:solidFill>
+            <a:schemeClr val="lt2"/>
+          </a:solidFill>
+          <a:ln w="9525" cap="flat" cmpd="sng">
+            <a:solidFill>
+              <a:schemeClr val="dk2"/>
+            </a:solidFill>
+            <a:prstDash val="solid"/>
+            <a:round/>
+            <a:headEnd type="none" w="sm" len="sm"/>
+            <a:tailEnd type="none" w="sm" len="sm"/>
+          </a:ln>
+        </p:spPr>
+        <p:txBody>
+          <a:bodyPr spcFirstLastPara="1" wrap="square" lIns="121897" tIns="121897" rIns="121897" bIns="121897" anchor="ctr" anchorCtr="0">
+            <a:noAutofit/>
+          </a:bodyPr>
+          <a:lstStyle/>
+          <a:p>
+            <a:pPr algn="ctr"/>
+            <a:r>
+              <a:rPr lang="ko-KR" altLang="en-US" sz="1300" dirty="0" smtClean="0"/>
+              <a:t>통계</a:t>
+            </a:r>
+            <a:endParaRPr sz="1300" dirty="0"/>
+          </a:p>
+        </p:txBody>
+      </p:sp>
+      <p:cxnSp>
+        <p:nvCxnSpPr>
+          <p:cNvPr id="116" name="Google Shape;116;p13"/>
+          <p:cNvCxnSpPr>
+            <a:stCxn id="60" idx="1"/>
+            <a:endCxn id="113" idx="3"/>
+          </p:cNvCxnSpPr>
+          <p:nvPr/>
+        </p:nvCxnSpPr>
+        <p:spPr>
+          <a:xfrm flipH="1">
+            <a:off x="10192833" y="2438667"/>
+            <a:ext cx="1055734" cy="319808"/>
+          </a:xfrm>
+          <a:prstGeom prst="straightConnector1">
+            <a:avLst/>
+          </a:prstGeom>
+          <a:noFill/>
+          <a:ln w="19050" cap="flat" cmpd="sng">
+            <a:solidFill>
+              <a:schemeClr val="accent6">
+                <a:lumMod val="50000"/>
+              </a:schemeClr>
+            </a:solidFill>
+            <a:prstDash val="solid"/>
+            <a:round/>
+            <a:headEnd type="none" w="med" len="med"/>
+            <a:tailEnd type="triangle" w="med" len="med"/>
+          </a:ln>
+        </p:spPr>
+      </p:cxnSp>
+      <p:cxnSp>
+        <p:nvCxnSpPr>
+          <p:cNvPr id="117" name="Google Shape;117;p13"/>
+          <p:cNvCxnSpPr>
+            <a:stCxn id="60" idx="1"/>
+            <a:endCxn id="114" idx="3"/>
+          </p:cNvCxnSpPr>
+          <p:nvPr/>
+        </p:nvCxnSpPr>
+        <p:spPr>
+          <a:xfrm flipH="1">
+            <a:off x="10192833" y="2438667"/>
+            <a:ext cx="1055734" cy="1214328"/>
+          </a:xfrm>
+          <a:prstGeom prst="straightConnector1">
+            <a:avLst/>
+          </a:prstGeom>
+          <a:noFill/>
+          <a:ln w="19050" cap="flat" cmpd="sng">
+            <a:solidFill>
+              <a:schemeClr val="accent6">
+                <a:lumMod val="50000"/>
+              </a:schemeClr>
+            </a:solidFill>
+            <a:prstDash val="solid"/>
+            <a:round/>
+            <a:headEnd type="none" w="med" len="med"/>
+            <a:tailEnd type="triangle" w="med" len="med"/>
+          </a:ln>
+        </p:spPr>
+      </p:cxnSp>
+      <p:cxnSp>
+        <p:nvCxnSpPr>
+          <p:cNvPr id="118" name="Google Shape;118;p13"/>
+          <p:cNvCxnSpPr>
+            <a:stCxn id="60" idx="1"/>
+            <a:endCxn id="98" idx="3"/>
+          </p:cNvCxnSpPr>
+          <p:nvPr/>
+        </p:nvCxnSpPr>
+        <p:spPr>
+          <a:xfrm flipH="1" flipV="1">
+            <a:off x="10192833" y="1814000"/>
+            <a:ext cx="1055734" cy="624667"/>
+          </a:xfrm>
+          <a:prstGeom prst="straightConnector1">
+            <a:avLst/>
+          </a:prstGeom>
+          <a:noFill/>
+          <a:ln w="19050" cap="flat" cmpd="sng">
+            <a:solidFill>
+              <a:schemeClr val="accent6">
+                <a:lumMod val="50000"/>
+              </a:schemeClr>
+            </a:solidFill>
+            <a:prstDash val="solid"/>
+            <a:round/>
+            <a:headEnd type="none" w="med" len="med"/>
+            <a:tailEnd type="triangle" w="med" len="med"/>
+          </a:ln>
+        </p:spPr>
+      </p:cxnSp>
+      <p:sp>
+        <p:nvSpPr>
+          <p:cNvPr id="123" name="Google Shape;123;p13"/>
+          <p:cNvSpPr/>
+          <p:nvPr/>
+        </p:nvSpPr>
+        <p:spPr>
+          <a:xfrm>
+            <a:off x="8323233" y="5053523"/>
+            <a:ext cx="1869600" cy="512000"/>
+          </a:xfrm>
+          <a:prstGeom prst="rect">
+            <a:avLst/>
+          </a:prstGeom>
+          <a:solidFill>
+            <a:schemeClr val="lt2"/>
+          </a:solidFill>
+          <a:ln w="9525" cap="flat" cmpd="sng">
+            <a:solidFill>
+              <a:schemeClr val="dk2"/>
+            </a:solidFill>
+            <a:prstDash val="solid"/>
+            <a:round/>
+            <a:headEnd type="none" w="sm" len="sm"/>
+            <a:tailEnd type="none" w="sm" len="sm"/>
+          </a:ln>
+        </p:spPr>
+        <p:txBody>
+          <a:bodyPr spcFirstLastPara="1" wrap="square" lIns="121897" tIns="121897" rIns="121897" bIns="121897" anchor="ctr" anchorCtr="0">
+            <a:noAutofit/>
+          </a:bodyPr>
+          <a:lstStyle/>
+          <a:p>
+            <a:pPr algn="ctr"/>
+            <a:r>
+              <a:rPr lang="ko-KR" altLang="en-US" sz="1300" dirty="0" smtClean="0"/>
+              <a:t>회원관리</a:t>
+            </a:r>
+            <a:endParaRPr sz="1300" dirty="0"/>
+          </a:p>
+        </p:txBody>
+      </p:sp>
+      <p:cxnSp>
+        <p:nvCxnSpPr>
+          <p:cNvPr id="126" name="Google Shape;126;p13"/>
+          <p:cNvCxnSpPr>
+            <a:stCxn id="60" idx="1"/>
+            <a:endCxn id="123" idx="3"/>
+          </p:cNvCxnSpPr>
+          <p:nvPr/>
+        </p:nvCxnSpPr>
+        <p:spPr>
+          <a:xfrm flipH="1">
+            <a:off x="10192833" y="2438667"/>
+            <a:ext cx="1055734" cy="2870856"/>
+          </a:xfrm>
+          <a:prstGeom prst="straightConnector1">
+            <a:avLst/>
+          </a:prstGeom>
+          <a:noFill/>
+          <a:ln w="19050" cap="flat" cmpd="sng">
+            <a:solidFill>
+              <a:schemeClr val="accent6">
+                <a:lumMod val="50000"/>
+              </a:schemeClr>
+            </a:solidFill>
+            <a:prstDash val="solid"/>
+            <a:round/>
+            <a:headEnd type="none" w="med" len="med"/>
+            <a:tailEnd type="triangle" w="med" len="med"/>
+          </a:ln>
+        </p:spPr>
+      </p:cxnSp>
+      <p:pic>
+        <p:nvPicPr>
+          <p:cNvPr id="167" name="Google Shape;55;p13"/>
+          <p:cNvPicPr preferRelativeResize="0"/>
+          <p:nvPr/>
+        </p:nvPicPr>
+        <p:blipFill>
+          <a:blip r:embed="rId3">
+            <a:alphaModFix/>
+          </a:blip>
+          <a:stretch>
+            <a:fillRect/>
+          </a:stretch>
+        </p:blipFill>
+        <p:spPr>
+          <a:xfrm>
+            <a:off x="663945" y="502337"/>
+            <a:ext cx="354000" cy="708000"/>
+          </a:xfrm>
+          <a:prstGeom prst="rect">
+            <a:avLst/>
+          </a:prstGeom>
+          <a:noFill/>
+          <a:ln>
+            <a:noFill/>
+          </a:ln>
+        </p:spPr>
+      </p:pic>
+      <p:sp>
+        <p:nvSpPr>
+          <p:cNvPr id="168" name="Google Shape;58;p13"/>
+          <p:cNvSpPr txBox="1"/>
+          <p:nvPr/>
+        </p:nvSpPr>
+        <p:spPr>
+          <a:xfrm>
+            <a:off x="448406" y="3754361"/>
+            <a:ext cx="744351" cy="614696"/>
+          </a:xfrm>
+          <a:prstGeom prst="rect">
+            <a:avLst/>
+          </a:prstGeom>
+          <a:noFill/>
+          <a:ln>
+            <a:noFill/>
+          </a:ln>
+        </p:spPr>
+        <p:txBody>
+          <a:bodyPr spcFirstLastPara="1" wrap="square" lIns="121897" tIns="121897" rIns="121897" bIns="121897" anchor="t" anchorCtr="0">
+            <a:noAutofit/>
+          </a:bodyPr>
+          <a:lstStyle/>
+          <a:p>
+            <a:pPr algn="ctr"/>
+            <a:r>
+              <a:rPr lang="ko-KR" altLang="en-US" sz="1300" b="1" dirty="0" smtClean="0"/>
+              <a:t>서포터</a:t>
+            </a:r>
+            <a:endParaRPr lang="en-US" altLang="ko" sz="1300" b="1" dirty="0"/>
+          </a:p>
+          <a:p>
+            <a:pPr algn="ctr"/>
+            <a:r>
+              <a:rPr lang="ko" altLang="en-US" sz="1300" b="1" dirty="0"/>
+              <a:t>회원</a:t>
+            </a:r>
+            <a:endParaRPr sz="1300" b="1" dirty="0"/>
+          </a:p>
+        </p:txBody>
+      </p:sp>
+      <p:cxnSp>
+        <p:nvCxnSpPr>
+          <p:cNvPr id="175" name="직선 화살표 연결선 174"/>
+          <p:cNvCxnSpPr>
+            <a:stCxn id="55" idx="3"/>
+            <a:endCxn id="64" idx="1"/>
+          </p:cNvCxnSpPr>
+          <p:nvPr/>
+        </p:nvCxnSpPr>
+        <p:spPr>
+          <a:xfrm flipV="1">
+            <a:off x="1017945" y="2022159"/>
+            <a:ext cx="1165482" cy="1501402"/>
+          </a:xfrm>
+          <a:prstGeom prst="straightConnector1">
+            <a:avLst/>
+          </a:prstGeom>
+          <a:ln w="19050">
+            <a:tailEnd type="arrow"/>
+          </a:ln>
+        </p:spPr>
+        <p:style>
+          <a:lnRef idx="1">
+            <a:schemeClr val="accent1"/>
+          </a:lnRef>
+          <a:fillRef idx="0">
+            <a:schemeClr val="accent1"/>
+          </a:fillRef>
+          <a:effectRef idx="0">
+            <a:schemeClr val="accent1"/>
+          </a:effectRef>
+          <a:fontRef idx="minor">
+            <a:schemeClr val="tx1"/>
+          </a:fontRef>
+        </p:style>
+      </p:cxnSp>
+      <p:cxnSp>
+        <p:nvCxnSpPr>
+          <p:cNvPr id="177" name="직선 화살표 연결선 176"/>
+          <p:cNvCxnSpPr>
+            <a:stCxn id="55" idx="3"/>
+            <a:endCxn id="65" idx="1"/>
+          </p:cNvCxnSpPr>
+          <p:nvPr/>
+        </p:nvCxnSpPr>
+        <p:spPr>
+          <a:xfrm flipV="1">
+            <a:off x="1017945" y="2574253"/>
+            <a:ext cx="1165482" cy="949308"/>
+          </a:xfrm>
+          <a:prstGeom prst="straightConnector1">
+            <a:avLst/>
+          </a:prstGeom>
+          <a:ln w="19050">
+            <a:tailEnd type="arrow"/>
+          </a:ln>
+        </p:spPr>
+        <p:style>
+          <a:lnRef idx="1">
+            <a:schemeClr val="accent1"/>
+          </a:lnRef>
+          <a:fillRef idx="0">
+            <a:schemeClr val="accent1"/>
+          </a:fillRef>
+          <a:effectRef idx="0">
+            <a:schemeClr val="accent1"/>
+          </a:effectRef>
+          <a:fontRef idx="minor">
+            <a:schemeClr val="tx1"/>
+          </a:fontRef>
+        </p:style>
+      </p:cxnSp>
+      <p:cxnSp>
+        <p:nvCxnSpPr>
+          <p:cNvPr id="178" name="직선 화살표 연결선 177"/>
+          <p:cNvCxnSpPr>
+            <a:stCxn id="55" idx="3"/>
+            <a:endCxn id="66" idx="1"/>
+          </p:cNvCxnSpPr>
+          <p:nvPr/>
+        </p:nvCxnSpPr>
+        <p:spPr>
+          <a:xfrm flipV="1">
+            <a:off x="1017945" y="3126347"/>
+            <a:ext cx="1165482" cy="397214"/>
+          </a:xfrm>
+          <a:prstGeom prst="straightConnector1">
+            <a:avLst/>
+          </a:prstGeom>
+          <a:ln w="76200">
+            <a:solidFill>
+              <a:srgbClr val="FF0000"/>
+            </a:solidFill>
+            <a:tailEnd type="arrow"/>
+          </a:ln>
+        </p:spPr>
+        <p:style>
+          <a:lnRef idx="1">
+            <a:schemeClr val="accent1"/>
+          </a:lnRef>
+          <a:fillRef idx="0">
+            <a:schemeClr val="accent1"/>
+          </a:fillRef>
+          <a:effectRef idx="0">
+            <a:schemeClr val="accent1"/>
+          </a:effectRef>
+          <a:fontRef idx="minor">
+            <a:schemeClr val="tx1"/>
+          </a:fontRef>
+        </p:style>
+      </p:cxnSp>
+      <p:cxnSp>
+        <p:nvCxnSpPr>
+          <p:cNvPr id="179" name="직선 화살표 연결선 178"/>
+          <p:cNvCxnSpPr>
+            <a:stCxn id="55" idx="3"/>
+            <a:endCxn id="69" idx="1"/>
+          </p:cNvCxnSpPr>
+          <p:nvPr/>
+        </p:nvCxnSpPr>
+        <p:spPr>
+          <a:xfrm>
+            <a:off x="1017945" y="3523561"/>
+            <a:ext cx="1165482" cy="154880"/>
+          </a:xfrm>
+          <a:prstGeom prst="straightConnector1">
+            <a:avLst/>
+          </a:prstGeom>
+          <a:ln w="19050">
+            <a:tailEnd type="arrow"/>
+          </a:ln>
+        </p:spPr>
+        <p:style>
+          <a:lnRef idx="1">
+            <a:schemeClr val="accent1"/>
+          </a:lnRef>
+          <a:fillRef idx="0">
+            <a:schemeClr val="accent1"/>
+          </a:fillRef>
+          <a:effectRef idx="0">
+            <a:schemeClr val="accent1"/>
+          </a:effectRef>
+          <a:fontRef idx="minor">
+            <a:schemeClr val="tx1"/>
+          </a:fontRef>
+        </p:style>
+      </p:cxnSp>
+      <p:cxnSp>
+        <p:nvCxnSpPr>
+          <p:cNvPr id="180" name="직선 화살표 연결선 179"/>
+          <p:cNvCxnSpPr>
+            <a:stCxn id="55" idx="3"/>
+            <a:endCxn id="78" idx="1"/>
+          </p:cNvCxnSpPr>
+          <p:nvPr/>
+        </p:nvCxnSpPr>
+        <p:spPr>
+          <a:xfrm>
+            <a:off x="1017945" y="3523561"/>
+            <a:ext cx="1165482" cy="706974"/>
+          </a:xfrm>
+          <a:prstGeom prst="straightConnector1">
+            <a:avLst/>
+          </a:prstGeom>
+          <a:ln w="19050">
+            <a:tailEnd type="arrow"/>
+          </a:ln>
+        </p:spPr>
+        <p:style>
+          <a:lnRef idx="1">
+            <a:schemeClr val="accent1"/>
+          </a:lnRef>
+          <a:fillRef idx="0">
+            <a:schemeClr val="accent1"/>
+          </a:fillRef>
+          <a:effectRef idx="0">
+            <a:schemeClr val="accent1"/>
+          </a:effectRef>
+          <a:fontRef idx="minor">
+            <a:schemeClr val="tx1"/>
+          </a:fontRef>
+        </p:style>
+      </p:cxnSp>
+      <p:cxnSp>
+        <p:nvCxnSpPr>
+          <p:cNvPr id="181" name="직선 화살표 연결선 180"/>
+          <p:cNvCxnSpPr>
+            <a:stCxn id="55" idx="3"/>
+            <a:endCxn id="70" idx="1"/>
+          </p:cNvCxnSpPr>
+          <p:nvPr/>
+        </p:nvCxnSpPr>
+        <p:spPr>
+          <a:xfrm>
+            <a:off x="1017945" y="3523561"/>
+            <a:ext cx="1165482" cy="1259068"/>
+          </a:xfrm>
+          <a:prstGeom prst="straightConnector1">
+            <a:avLst/>
+          </a:prstGeom>
+          <a:ln w="19050">
+            <a:tailEnd type="arrow"/>
+          </a:ln>
+        </p:spPr>
+        <p:style>
+          <a:lnRef idx="1">
+            <a:schemeClr val="accent1"/>
+          </a:lnRef>
+          <a:fillRef idx="0">
+            <a:schemeClr val="accent1"/>
+          </a:fillRef>
+          <a:effectRef idx="0">
+            <a:schemeClr val="accent1"/>
+          </a:effectRef>
+          <a:fontRef idx="minor">
+            <a:schemeClr val="tx1"/>
+          </a:fontRef>
+        </p:style>
+      </p:cxnSp>
+      <p:cxnSp>
+        <p:nvCxnSpPr>
+          <p:cNvPr id="182" name="직선 화살표 연결선 181"/>
+          <p:cNvCxnSpPr>
+            <a:stCxn id="55" idx="3"/>
+            <a:endCxn id="63" idx="1"/>
+          </p:cNvCxnSpPr>
+          <p:nvPr/>
+        </p:nvCxnSpPr>
+        <p:spPr>
+          <a:xfrm>
+            <a:off x="1017945" y="3523561"/>
+            <a:ext cx="1165482" cy="1811162"/>
+          </a:xfrm>
+          <a:prstGeom prst="straightConnector1">
+            <a:avLst/>
+          </a:prstGeom>
+          <a:ln w="19050">
+            <a:tailEnd type="arrow"/>
+          </a:ln>
+        </p:spPr>
+        <p:style>
+          <a:lnRef idx="1">
+            <a:schemeClr val="accent1"/>
+          </a:lnRef>
+          <a:fillRef idx="0">
+            <a:schemeClr val="accent1"/>
+          </a:fillRef>
+          <a:effectRef idx="0">
+            <a:schemeClr val="accent1"/>
+          </a:effectRef>
+          <a:fontRef idx="minor">
+            <a:schemeClr val="tx1"/>
+          </a:fontRef>
+        </p:style>
+      </p:cxnSp>
+      <p:cxnSp>
+        <p:nvCxnSpPr>
+          <p:cNvPr id="183" name="직선 화살표 연결선 182"/>
+          <p:cNvCxnSpPr>
+            <a:stCxn id="55" idx="3"/>
+            <a:endCxn id="73" idx="1"/>
+          </p:cNvCxnSpPr>
+          <p:nvPr/>
+        </p:nvCxnSpPr>
+        <p:spPr>
+          <a:xfrm>
+            <a:off x="1017945" y="3523561"/>
+            <a:ext cx="1165482" cy="2363259"/>
+          </a:xfrm>
+          <a:prstGeom prst="straightConnector1">
+            <a:avLst/>
+          </a:prstGeom>
+          <a:ln w="19050">
+            <a:tailEnd type="arrow"/>
+          </a:ln>
+        </p:spPr>
+        <p:style>
+          <a:lnRef idx="1">
+            <a:schemeClr val="accent1"/>
+          </a:lnRef>
+          <a:fillRef idx="0">
+            <a:schemeClr val="accent1"/>
+          </a:fillRef>
+          <a:effectRef idx="0">
+            <a:schemeClr val="accent1"/>
+          </a:effectRef>
+          <a:fontRef idx="minor">
+            <a:schemeClr val="tx1"/>
+          </a:fontRef>
+        </p:style>
+      </p:cxnSp>
+      <p:cxnSp>
+        <p:nvCxnSpPr>
+          <p:cNvPr id="204" name="직선 화살표 연결선 203"/>
+          <p:cNvCxnSpPr>
+            <a:stCxn id="167" idx="3"/>
+            <a:endCxn id="67" idx="1"/>
+          </p:cNvCxnSpPr>
+          <p:nvPr/>
+        </p:nvCxnSpPr>
+        <p:spPr>
+          <a:xfrm flipV="1">
+            <a:off x="1017945" y="340277"/>
+            <a:ext cx="1165482" cy="516060"/>
+          </a:xfrm>
+          <a:prstGeom prst="straightConnector1">
+            <a:avLst/>
+          </a:prstGeom>
+          <a:ln w="19050">
+            <a:solidFill>
+              <a:schemeClr val="accent2">
+                <a:lumMod val="75000"/>
+              </a:schemeClr>
+            </a:solidFill>
+            <a:tailEnd type="arrow"/>
+          </a:ln>
+        </p:spPr>
+        <p:style>
+          <a:lnRef idx="1">
+            <a:schemeClr val="accent1"/>
+          </a:lnRef>
+          <a:fillRef idx="0">
+            <a:schemeClr val="accent1"/>
+          </a:fillRef>
+          <a:effectRef idx="0">
+            <a:schemeClr val="accent1"/>
+          </a:effectRef>
+          <a:fontRef idx="minor">
+            <a:schemeClr val="tx1"/>
+          </a:fontRef>
+        </p:style>
+      </p:cxnSp>
+      <p:cxnSp>
+        <p:nvCxnSpPr>
+          <p:cNvPr id="205" name="직선 화살표 연결선 204"/>
+          <p:cNvCxnSpPr>
+            <a:stCxn id="167" idx="3"/>
+            <a:endCxn id="68" idx="1"/>
+          </p:cNvCxnSpPr>
+          <p:nvPr/>
+        </p:nvCxnSpPr>
+        <p:spPr>
+          <a:xfrm>
+            <a:off x="1017945" y="856337"/>
+            <a:ext cx="1165482" cy="42434"/>
+          </a:xfrm>
+          <a:prstGeom prst="straightConnector1">
+            <a:avLst/>
+          </a:prstGeom>
+          <a:ln w="19050">
+            <a:solidFill>
+              <a:schemeClr val="accent2">
+                <a:lumMod val="75000"/>
+              </a:schemeClr>
+            </a:solidFill>
+            <a:tailEnd type="arrow"/>
+          </a:ln>
+        </p:spPr>
+        <p:style>
+          <a:lnRef idx="1">
+            <a:schemeClr val="accent1"/>
+          </a:lnRef>
+          <a:fillRef idx="0">
+            <a:schemeClr val="accent1"/>
+          </a:fillRef>
+          <a:effectRef idx="0">
+            <a:schemeClr val="accent1"/>
+          </a:effectRef>
+          <a:fontRef idx="minor">
+            <a:schemeClr val="tx1"/>
+          </a:fontRef>
+        </p:style>
+      </p:cxnSp>
+      <p:cxnSp>
+        <p:nvCxnSpPr>
+          <p:cNvPr id="228" name="직선 화살표 연결선 227"/>
+          <p:cNvCxnSpPr>
+            <a:stCxn id="149" idx="1"/>
+            <a:endCxn id="78" idx="3"/>
+          </p:cNvCxnSpPr>
+          <p:nvPr/>
+        </p:nvCxnSpPr>
+        <p:spPr>
+          <a:xfrm flipH="1" flipV="1">
+            <a:off x="4766627" y="4230535"/>
+            <a:ext cx="3556606" cy="218203"/>
+          </a:xfrm>
+          <a:prstGeom prst="straightConnector1">
+            <a:avLst/>
+          </a:prstGeom>
+          <a:ln w="19050">
+            <a:solidFill>
+              <a:schemeClr val="accent6">
+                <a:lumMod val="50000"/>
+              </a:schemeClr>
+            </a:solidFill>
+            <a:tailEnd type="arrow"/>
+          </a:ln>
+        </p:spPr>
+        <p:style>
+          <a:lnRef idx="1">
+            <a:schemeClr val="accent1"/>
+          </a:lnRef>
+          <a:fillRef idx="0">
+            <a:schemeClr val="accent1"/>
+          </a:fillRef>
+          <a:effectRef idx="0">
+            <a:schemeClr val="accent1"/>
+          </a:effectRef>
+          <a:fontRef idx="minor">
+            <a:schemeClr val="tx1"/>
+          </a:fontRef>
+        </p:style>
+      </p:cxnSp>
+      <p:cxnSp>
+        <p:nvCxnSpPr>
+          <p:cNvPr id="230" name="직선 화살표 연결선 229"/>
+          <p:cNvCxnSpPr>
+            <a:stCxn id="98" idx="1"/>
+            <a:endCxn id="68" idx="3"/>
+          </p:cNvCxnSpPr>
+          <p:nvPr/>
+        </p:nvCxnSpPr>
+        <p:spPr>
+          <a:xfrm flipH="1" flipV="1">
+            <a:off x="4766627" y="898771"/>
+            <a:ext cx="3556606" cy="915229"/>
+          </a:xfrm>
+          <a:prstGeom prst="straightConnector1">
+            <a:avLst/>
+          </a:prstGeom>
+          <a:ln w="19050">
+            <a:solidFill>
+              <a:schemeClr val="accent6">
+                <a:lumMod val="50000"/>
+              </a:schemeClr>
+            </a:solidFill>
+            <a:tailEnd type="arrow"/>
+          </a:ln>
+        </p:spPr>
+        <p:style>
+          <a:lnRef idx="1">
+            <a:schemeClr val="accent1"/>
+          </a:lnRef>
+          <a:fillRef idx="0">
+            <a:schemeClr val="accent1"/>
+          </a:fillRef>
+          <a:effectRef idx="0">
+            <a:schemeClr val="accent1"/>
+          </a:effectRef>
+          <a:fontRef idx="minor">
+            <a:schemeClr val="tx1"/>
+          </a:fontRef>
+        </p:style>
+      </p:cxnSp>
+      <p:cxnSp>
+        <p:nvCxnSpPr>
+          <p:cNvPr id="232" name="직선 화살표 연결선 231"/>
+          <p:cNvCxnSpPr>
+            <a:stCxn id="113" idx="1"/>
+            <a:endCxn id="64" idx="3"/>
+          </p:cNvCxnSpPr>
+          <p:nvPr/>
+        </p:nvCxnSpPr>
+        <p:spPr>
+          <a:xfrm flipH="1" flipV="1">
+            <a:off x="4766627" y="2022159"/>
+            <a:ext cx="3556606" cy="736316"/>
+          </a:xfrm>
+          <a:prstGeom prst="straightConnector1">
+            <a:avLst/>
+          </a:prstGeom>
+          <a:ln w="19050">
+            <a:solidFill>
+              <a:schemeClr val="accent6">
+                <a:lumMod val="50000"/>
+              </a:schemeClr>
+            </a:solidFill>
+            <a:tailEnd type="arrow"/>
+          </a:ln>
+        </p:spPr>
+        <p:style>
+          <a:lnRef idx="1">
+            <a:schemeClr val="accent1"/>
+          </a:lnRef>
+          <a:fillRef idx="0">
+            <a:schemeClr val="accent1"/>
+          </a:fillRef>
+          <a:effectRef idx="0">
+            <a:schemeClr val="accent1"/>
+          </a:effectRef>
+          <a:fontRef idx="minor">
+            <a:schemeClr val="tx1"/>
+          </a:fontRef>
+        </p:style>
+      </p:cxnSp>
+      <p:cxnSp>
+        <p:nvCxnSpPr>
+          <p:cNvPr id="234" name="직선 화살표 연결선 233"/>
+          <p:cNvCxnSpPr>
+            <a:stCxn id="113" idx="1"/>
+            <a:endCxn id="65" idx="3"/>
+          </p:cNvCxnSpPr>
+          <p:nvPr/>
+        </p:nvCxnSpPr>
+        <p:spPr>
+          <a:xfrm flipH="1" flipV="1">
+            <a:off x="4766627" y="2574253"/>
+            <a:ext cx="3556606" cy="184222"/>
+          </a:xfrm>
+          <a:prstGeom prst="straightConnector1">
+            <a:avLst/>
+          </a:prstGeom>
+          <a:ln w="19050">
+            <a:solidFill>
+              <a:schemeClr val="accent6">
+                <a:lumMod val="50000"/>
+              </a:schemeClr>
+            </a:solidFill>
+            <a:tailEnd type="arrow"/>
+          </a:ln>
+        </p:spPr>
+        <p:style>
+          <a:lnRef idx="1">
+            <a:schemeClr val="accent1"/>
+          </a:lnRef>
+          <a:fillRef idx="0">
+            <a:schemeClr val="accent1"/>
+          </a:fillRef>
+          <a:effectRef idx="0">
+            <a:schemeClr val="accent1"/>
+          </a:effectRef>
+          <a:fontRef idx="minor">
+            <a:schemeClr val="tx1"/>
+          </a:fontRef>
+        </p:style>
+      </p:cxnSp>
+      <p:cxnSp>
+        <p:nvCxnSpPr>
+          <p:cNvPr id="236" name="직선 화살표 연결선 235"/>
+          <p:cNvCxnSpPr>
+            <a:stCxn id="123" idx="1"/>
+            <a:endCxn id="63" idx="3"/>
+          </p:cNvCxnSpPr>
+          <p:nvPr/>
+        </p:nvCxnSpPr>
+        <p:spPr>
+          <a:xfrm flipH="1">
+            <a:off x="4766627" y="5309523"/>
+            <a:ext cx="3556606" cy="25200"/>
+          </a:xfrm>
+          <a:prstGeom prst="straightConnector1">
+            <a:avLst/>
+          </a:prstGeom>
+          <a:ln w="19050">
+            <a:solidFill>
+              <a:schemeClr val="accent6">
+                <a:lumMod val="50000"/>
+              </a:schemeClr>
+            </a:solidFill>
+            <a:tailEnd type="arrow"/>
+          </a:ln>
+        </p:spPr>
+        <p:style>
+          <a:lnRef idx="1">
+            <a:schemeClr val="accent1"/>
+          </a:lnRef>
+          <a:fillRef idx="0">
+            <a:schemeClr val="accent1"/>
+          </a:fillRef>
+          <a:effectRef idx="0">
+            <a:schemeClr val="accent1"/>
+          </a:effectRef>
+          <a:fontRef idx="minor">
+            <a:schemeClr val="tx1"/>
+          </a:fontRef>
+        </p:style>
+      </p:cxnSp>
+      <p:cxnSp>
+        <p:nvCxnSpPr>
+          <p:cNvPr id="238" name="직선 화살표 연결선 237"/>
+          <p:cNvCxnSpPr>
+            <a:stCxn id="123" idx="1"/>
+            <a:endCxn id="73" idx="3"/>
+          </p:cNvCxnSpPr>
+          <p:nvPr/>
+        </p:nvCxnSpPr>
+        <p:spPr>
+          <a:xfrm flipH="1">
+            <a:off x="4766627" y="5309523"/>
+            <a:ext cx="3556606" cy="577297"/>
+          </a:xfrm>
+          <a:prstGeom prst="straightConnector1">
+            <a:avLst/>
+          </a:prstGeom>
+          <a:ln w="19050">
+            <a:solidFill>
+              <a:schemeClr val="accent6">
+                <a:lumMod val="50000"/>
+              </a:schemeClr>
+            </a:solidFill>
+            <a:tailEnd type="arrow"/>
+          </a:ln>
+        </p:spPr>
+        <p:style>
+          <a:lnRef idx="1">
+            <a:schemeClr val="accent1"/>
+          </a:lnRef>
+          <a:fillRef idx="0">
+            <a:schemeClr val="accent1"/>
+          </a:fillRef>
+          <a:effectRef idx="0">
+            <a:schemeClr val="accent1"/>
+          </a:effectRef>
+          <a:fontRef idx="minor">
+            <a:schemeClr val="tx1"/>
+          </a:fontRef>
+        </p:style>
+      </p:cxnSp>
+      <p:sp>
+        <p:nvSpPr>
+          <p:cNvPr id="129" name="Google Shape;68;p13"/>
+          <p:cNvSpPr/>
+          <p:nvPr/>
+        </p:nvSpPr>
+        <p:spPr>
+          <a:xfrm>
+            <a:off x="2183427" y="1226465"/>
+            <a:ext cx="2583200" cy="474400"/>
+          </a:xfrm>
+          <a:prstGeom prst="rect">
+            <a:avLst/>
+          </a:prstGeom>
+          <a:solidFill>
+            <a:schemeClr val="lt2"/>
+          </a:solidFill>
+          <a:ln w="9525" cap="flat" cmpd="sng">
+            <a:solidFill>
+              <a:schemeClr val="dk2"/>
+            </a:solidFill>
+            <a:prstDash val="solid"/>
+            <a:round/>
+            <a:headEnd type="none" w="sm" len="sm"/>
+            <a:tailEnd type="none" w="sm" len="sm"/>
+          </a:ln>
+        </p:spPr>
+        <p:txBody>
+          <a:bodyPr spcFirstLastPara="1" wrap="square" lIns="121897" tIns="121897" rIns="121897" bIns="121897" anchor="ctr" anchorCtr="0">
+            <a:noAutofit/>
+          </a:bodyPr>
+          <a:lstStyle/>
+          <a:p>
+            <a:pPr algn="ctr">
+              <a:buClr>
+                <a:schemeClr val="dk1"/>
+              </a:buClr>
+              <a:buSzPts val="1100"/>
+            </a:pPr>
+            <a:r>
+              <a:rPr lang="ko-KR" altLang="en-US" sz="1300" dirty="0" smtClean="0"/>
+              <a:t>프로젝트 의견 </a:t>
+            </a:r>
+            <a:r>
+              <a:rPr lang="ko-KR" altLang="en-US" sz="1300" dirty="0" smtClean="0"/>
+              <a:t>교환</a:t>
+            </a:r>
+            <a:endParaRPr sz="1300" dirty="0"/>
+          </a:p>
+        </p:txBody>
+      </p:sp>
+      <p:cxnSp>
+        <p:nvCxnSpPr>
+          <p:cNvPr id="130" name="직선 화살표 연결선 129"/>
+          <p:cNvCxnSpPr>
+            <a:stCxn id="55" idx="3"/>
+            <a:endCxn id="129" idx="1"/>
+          </p:cNvCxnSpPr>
+          <p:nvPr/>
+        </p:nvCxnSpPr>
+        <p:spPr>
+          <a:xfrm flipV="1">
+            <a:off x="1017945" y="1463665"/>
+            <a:ext cx="1165482" cy="2059896"/>
+          </a:xfrm>
+          <a:prstGeom prst="straightConnector1">
+            <a:avLst/>
+          </a:prstGeom>
+          <a:ln w="19050">
+            <a:tailEnd type="arrow"/>
+          </a:ln>
+        </p:spPr>
+        <p:style>
+          <a:lnRef idx="1">
+            <a:schemeClr val="accent1"/>
+          </a:lnRef>
+          <a:fillRef idx="0">
+            <a:schemeClr val="accent1"/>
+          </a:fillRef>
+          <a:effectRef idx="0">
+            <a:schemeClr val="accent1"/>
+          </a:effectRef>
+          <a:fontRef idx="minor">
+            <a:schemeClr val="tx1"/>
+          </a:fontRef>
+        </p:style>
+      </p:cxnSp>
+      <p:cxnSp>
+        <p:nvCxnSpPr>
+          <p:cNvPr id="133" name="직선 화살표 연결선 132"/>
+          <p:cNvCxnSpPr>
+            <a:stCxn id="167" idx="3"/>
+            <a:endCxn id="129" idx="1"/>
+          </p:cNvCxnSpPr>
+          <p:nvPr/>
+        </p:nvCxnSpPr>
+        <p:spPr>
+          <a:xfrm>
+            <a:off x="1017945" y="856337"/>
+            <a:ext cx="1165482" cy="607328"/>
+          </a:xfrm>
+          <a:prstGeom prst="straightConnector1">
+            <a:avLst/>
+          </a:prstGeom>
+          <a:ln w="19050">
+            <a:solidFill>
+              <a:schemeClr val="accent2">
+                <a:lumMod val="75000"/>
+              </a:schemeClr>
+            </a:solidFill>
+            <a:tailEnd type="arrow"/>
+          </a:ln>
+        </p:spPr>
+        <p:style>
+          <a:lnRef idx="1">
+            <a:schemeClr val="accent1"/>
+          </a:lnRef>
+          <a:fillRef idx="0">
+            <a:schemeClr val="accent1"/>
+          </a:fillRef>
+          <a:effectRef idx="0">
+            <a:schemeClr val="accent1"/>
+          </a:effectRef>
+          <a:fontRef idx="minor">
+            <a:schemeClr val="tx1"/>
+          </a:fontRef>
+        </p:style>
+      </p:cxnSp>
+      <p:sp>
+        <p:nvSpPr>
+          <p:cNvPr id="149" name="Google Shape;114;p13"/>
+          <p:cNvSpPr/>
+          <p:nvPr/>
+        </p:nvSpPr>
+        <p:spPr>
+          <a:xfrm>
+            <a:off x="8323233" y="4192738"/>
+            <a:ext cx="1869600" cy="512000"/>
+          </a:xfrm>
+          <a:prstGeom prst="rect">
+            <a:avLst/>
+          </a:prstGeom>
+          <a:solidFill>
+            <a:schemeClr val="lt2"/>
+          </a:solidFill>
+          <a:ln w="9525" cap="flat" cmpd="sng">
+            <a:solidFill>
+              <a:schemeClr val="dk2"/>
+            </a:solidFill>
+            <a:prstDash val="solid"/>
+            <a:round/>
+            <a:headEnd type="none" w="sm" len="sm"/>
+            <a:tailEnd type="none" w="sm" len="sm"/>
+          </a:ln>
+        </p:spPr>
+        <p:txBody>
+          <a:bodyPr spcFirstLastPara="1" wrap="square" lIns="121897" tIns="121897" rIns="121897" bIns="121897" anchor="ctr" anchorCtr="0">
+            <a:noAutofit/>
+          </a:bodyPr>
+          <a:lstStyle/>
+          <a:p>
+            <a:pPr algn="ctr"/>
+            <a:r>
+              <a:rPr lang="ko-KR" altLang="en-US" sz="1300" dirty="0" smtClean="0"/>
+              <a:t>게시판 관리</a:t>
+            </a:r>
+            <a:endParaRPr sz="1300" dirty="0"/>
+          </a:p>
+        </p:txBody>
+      </p:sp>
+      <p:cxnSp>
+        <p:nvCxnSpPr>
+          <p:cNvPr id="151" name="직선 화살표 연결선 150"/>
+          <p:cNvCxnSpPr>
+            <a:stCxn id="113" idx="1"/>
+            <a:endCxn id="67" idx="3"/>
+          </p:cNvCxnSpPr>
+          <p:nvPr/>
+        </p:nvCxnSpPr>
+        <p:spPr>
+          <a:xfrm flipH="1" flipV="1">
+            <a:off x="4766627" y="340277"/>
+            <a:ext cx="3556606" cy="2418198"/>
+          </a:xfrm>
+          <a:prstGeom prst="straightConnector1">
+            <a:avLst/>
+          </a:prstGeom>
+          <a:ln w="19050">
+            <a:solidFill>
+              <a:schemeClr val="accent6">
+                <a:lumMod val="50000"/>
+              </a:schemeClr>
+            </a:solidFill>
+            <a:tailEnd type="arrow"/>
+          </a:ln>
+        </p:spPr>
+        <p:style>
+          <a:lnRef idx="1">
+            <a:schemeClr val="accent1"/>
+          </a:lnRef>
+          <a:fillRef idx="0">
+            <a:schemeClr val="accent1"/>
+          </a:fillRef>
+          <a:effectRef idx="0">
+            <a:schemeClr val="accent1"/>
+          </a:effectRef>
+          <a:fontRef idx="minor">
+            <a:schemeClr val="tx1"/>
+          </a:fontRef>
+        </p:style>
+      </p:cxnSp>
+      <p:cxnSp>
+        <p:nvCxnSpPr>
+          <p:cNvPr id="124" name="꺾인 연결선 123"/>
+          <p:cNvCxnSpPr>
+            <a:stCxn id="66" idx="3"/>
+            <a:endCxn id="68" idx="3"/>
+          </p:cNvCxnSpPr>
+          <p:nvPr/>
+        </p:nvCxnSpPr>
+        <p:spPr>
+          <a:xfrm flipV="1">
+            <a:off x="4766627" y="898771"/>
+            <a:ext cx="12700" cy="2227576"/>
+          </a:xfrm>
+          <a:prstGeom prst="bentConnector3">
+            <a:avLst>
+              <a:gd name="adj1" fmla="val 4361543"/>
+            </a:avLst>
+          </a:prstGeom>
+          <a:ln w="57150">
+            <a:solidFill>
+              <a:srgbClr val="FF0000"/>
+            </a:solidFill>
+            <a:tailEnd type="triangle"/>
+          </a:ln>
+        </p:spPr>
+        <p:style>
+          <a:lnRef idx="1">
+            <a:schemeClr val="accent1"/>
+          </a:lnRef>
+          <a:fillRef idx="0">
+            <a:schemeClr val="accent1"/>
+          </a:fillRef>
+          <a:effectRef idx="0">
+            <a:schemeClr val="accent1"/>
+          </a:effectRef>
+          <a:fontRef idx="minor">
+            <a:schemeClr val="tx1"/>
+          </a:fontRef>
+        </p:style>
+      </p:cxnSp>
+      <p:cxnSp>
+        <p:nvCxnSpPr>
+          <p:cNvPr id="132" name="꺾인 연결선 131"/>
+          <p:cNvCxnSpPr>
+            <a:stCxn id="168" idx="2"/>
+            <a:endCxn id="74" idx="1"/>
+          </p:cNvCxnSpPr>
+          <p:nvPr/>
+        </p:nvCxnSpPr>
+        <p:spPr>
+          <a:xfrm rot="16200000" flipH="1">
+            <a:off x="1848670" y="3340968"/>
+            <a:ext cx="2148563" cy="4204739"/>
+          </a:xfrm>
+          <a:prstGeom prst="bentConnector2">
+            <a:avLst/>
+          </a:prstGeom>
+          <a:ln w="19050">
+            <a:tailEnd type="triangle"/>
+          </a:ln>
+        </p:spPr>
+        <p:style>
+          <a:lnRef idx="1">
+            <a:schemeClr val="accent1"/>
+          </a:lnRef>
+          <a:fillRef idx="0">
+            <a:schemeClr val="accent1"/>
+          </a:fillRef>
+          <a:effectRef idx="0">
+            <a:schemeClr val="accent1"/>
+          </a:effectRef>
+          <a:fontRef idx="minor">
+            <a:schemeClr val="tx1"/>
+          </a:fontRef>
+        </p:style>
+      </p:cxnSp>
+      <p:cxnSp>
+        <p:nvCxnSpPr>
+          <p:cNvPr id="135" name="꺾인 연결선 134"/>
+          <p:cNvCxnSpPr>
+            <a:stCxn id="71" idx="2"/>
+            <a:endCxn id="74" idx="3"/>
+          </p:cNvCxnSpPr>
+          <p:nvPr/>
+        </p:nvCxnSpPr>
+        <p:spPr>
+          <a:xfrm rot="5400000">
+            <a:off x="7424409" y="2339469"/>
+            <a:ext cx="3115063" cy="5241238"/>
+          </a:xfrm>
+          <a:prstGeom prst="bentConnector2">
+            <a:avLst/>
+          </a:prstGeom>
+          <a:ln w="19050">
+            <a:solidFill>
+              <a:schemeClr val="accent6">
+                <a:lumMod val="50000"/>
+              </a:schemeClr>
+            </a:solidFill>
+            <a:tailEnd type="triangle"/>
+          </a:ln>
+        </p:spPr>
+        <p:style>
+          <a:lnRef idx="1">
+            <a:schemeClr val="accent1"/>
+          </a:lnRef>
+          <a:fillRef idx="0">
+            <a:schemeClr val="accent1"/>
+          </a:fillRef>
+          <a:effectRef idx="0">
+            <a:schemeClr val="accent1"/>
+          </a:effectRef>
+          <a:fontRef idx="minor">
+            <a:schemeClr val="tx1"/>
+          </a:fontRef>
+        </p:style>
+      </p:cxnSp>
+      <p:cxnSp>
+        <p:nvCxnSpPr>
+          <p:cNvPr id="137" name="직선 화살표 연결선 136"/>
+          <p:cNvCxnSpPr>
+            <a:stCxn id="68" idx="1"/>
+            <a:endCxn id="55" idx="0"/>
+          </p:cNvCxnSpPr>
+          <p:nvPr/>
+        </p:nvCxnSpPr>
+        <p:spPr>
+          <a:xfrm flipH="1">
+            <a:off x="840945" y="898771"/>
+            <a:ext cx="1342482" cy="2270790"/>
+          </a:xfrm>
+          <a:prstGeom prst="straightConnector1">
+            <a:avLst/>
+          </a:prstGeom>
+          <a:ln w="76200">
+            <a:solidFill>
+              <a:srgbClr val="FF0000"/>
+            </a:solidFill>
+            <a:tailEnd type="triangle"/>
+          </a:ln>
+        </p:spPr>
+        <p:style>
+          <a:lnRef idx="1">
+            <a:schemeClr val="accent1"/>
+          </a:lnRef>
+          <a:fillRef idx="0">
+            <a:schemeClr val="accent1"/>
+          </a:fillRef>
+          <a:effectRef idx="0">
+            <a:schemeClr val="accent1"/>
+          </a:effectRef>
+          <a:fontRef idx="minor">
+            <a:schemeClr val="tx1"/>
+          </a:fontRef>
+        </p:style>
+      </p:cxnSp>
+    </p:spTree>
+    <p:extLst>
+      <p:ext uri="{BB962C8B-B14F-4D97-AF65-F5344CB8AC3E}">
+        <p14:creationId xmlns:p14="http://schemas.microsoft.com/office/powerpoint/2010/main" val="2457990432"/>
+      </p:ext>
+    </p:extLst>
+  </p:cSld>
+  <p:clrMapOvr>
+    <a:masterClrMapping/>
+  </p:clrMapOvr>
+</p:sld>
+</file>
+
+<file path=ppt/slides/slide6.xml><?xml version="1.0" encoding="utf-8"?>
+<p:sld xmlns:a="http://schemas.openxmlformats.org/drawingml/2006/main" xmlns:r="http://schemas.openxmlformats.org/officeDocument/2006/relationships" xmlns:p="http://schemas.openxmlformats.org/presentationml/2006/main">
+  <p:cSld>
+    <p:spTree>
+      <p:nvGrpSpPr>
+        <p:cNvPr id="1" name=""/>
+        <p:cNvGrpSpPr/>
+        <p:nvPr/>
+      </p:nvGrpSpPr>
+      <p:grpSpPr>
+        <a:xfrm>
+          <a:off x="0" y="0"/>
+          <a:ext cx="0" cy="0"/>
+          <a:chOff x="0" y="0"/>
+          <a:chExt cx="0" cy="0"/>
+        </a:xfrm>
+      </p:grpSpPr>
+      <p:sp>
+        <p:nvSpPr>
+          <p:cNvPr id="2" name="제목 1"/>
+          <p:cNvSpPr>
+            <a:spLocks noGrp="1"/>
+          </p:cNvSpPr>
+          <p:nvPr>
+            <p:ph type="title"/>
+          </p:nvPr>
+        </p:nvSpPr>
+        <p:spPr/>
+        <p:txBody>
+          <a:bodyPr/>
+          <a:lstStyle/>
+          <a:p>
+            <a:r>
+              <a:rPr lang="en-US" altLang="ko-KR" dirty="0" smtClean="0"/>
+              <a:t>3. </a:t>
+            </a:r>
+            <a:r>
+              <a:rPr lang="ko-KR" altLang="en-US" dirty="0" smtClean="0"/>
+              <a:t>요구 사항 분석</a:t>
+            </a:r>
+            <a:endParaRPr lang="ko-KR" altLang="en-US" dirty="0"/>
+          </a:p>
+        </p:txBody>
+      </p:sp>
+      <p:sp>
+        <p:nvSpPr>
+          <p:cNvPr id="3" name="내용 개체 틀 2"/>
+          <p:cNvSpPr>
+            <a:spLocks noGrp="1"/>
+          </p:cNvSpPr>
+          <p:nvPr>
+            <p:ph idx="1"/>
+          </p:nvPr>
+        </p:nvSpPr>
+        <p:spPr/>
+        <p:txBody>
+          <a:bodyPr/>
+          <a:lstStyle/>
+          <a:p>
+            <a:endParaRPr lang="ko-KR" altLang="en-US"/>
+          </a:p>
+        </p:txBody>
+      </p:sp>
+    </p:spTree>
+    <p:extLst>
+      <p:ext uri="{BB962C8B-B14F-4D97-AF65-F5344CB8AC3E}">
+        <p14:creationId xmlns:p14="http://schemas.microsoft.com/office/powerpoint/2010/main" val="1088243138"/>
+      </p:ext>
+    </p:extLst>
+  </p:cSld>
+  <p:clrMapOvr>
+    <a:masterClrMapping/>
+  </p:clrMapOvr>
+</p:sld>
+</file>
+
+<file path=ppt/slides/slide7.xml><?xml version="1.0" encoding="utf-8"?>
+<p:sld xmlns:a="http://schemas.openxmlformats.org/drawingml/2006/main" xmlns:r="http://schemas.openxmlformats.org/officeDocument/2006/relationships" xmlns:p="http://schemas.openxmlformats.org/presentationml/2006/main">
+  <p:cSld>
+    <p:spTree>
+      <p:nvGrpSpPr>
+        <p:cNvPr id="1" name=""/>
+        <p:cNvGrpSpPr/>
+        <p:nvPr/>
+      </p:nvGrpSpPr>
+      <p:grpSpPr>
+        <a:xfrm>
+          <a:off x="0" y="0"/>
+          <a:ext cx="0" cy="0"/>
+          <a:chOff x="0" y="0"/>
+          <a:chExt cx="0" cy="0"/>
+        </a:xfrm>
+      </p:grpSpPr>
+      <p:sp>
+        <p:nvSpPr>
+          <p:cNvPr id="2" name="제목 1"/>
+          <p:cNvSpPr>
+            <a:spLocks noGrp="1"/>
+          </p:cNvSpPr>
+          <p:nvPr>
+            <p:ph type="title"/>
+          </p:nvPr>
+        </p:nvSpPr>
+        <p:spPr/>
+        <p:txBody>
+          <a:bodyPr/>
+          <a:lstStyle/>
+          <a:p>
+            <a:r>
+              <a:rPr lang="en-US" altLang="ko-KR" dirty="0" smtClean="0"/>
+              <a:t>4. </a:t>
+            </a:r>
+            <a:r>
+              <a:rPr lang="ko-KR" altLang="en-US" dirty="0" smtClean="0"/>
+              <a:t>주요 기능 소개</a:t>
+            </a:r>
+            <a:endParaRPr lang="ko-KR" altLang="en-US" dirty="0"/>
+          </a:p>
+        </p:txBody>
+      </p:sp>
+      <p:sp>
+        <p:nvSpPr>
+          <p:cNvPr id="3" name="내용 개체 틀 2"/>
+          <p:cNvSpPr>
+            <a:spLocks noGrp="1"/>
+          </p:cNvSpPr>
+          <p:nvPr>
+            <p:ph idx="1"/>
+          </p:nvPr>
+        </p:nvSpPr>
+        <p:spPr/>
+        <p:txBody>
+          <a:bodyPr/>
+          <a:lstStyle/>
+          <a:p>
+            <a:endParaRPr lang="ko-KR" altLang="en-US"/>
+          </a:p>
+        </p:txBody>
+      </p:sp>
+    </p:spTree>
+    <p:extLst>
+      <p:ext uri="{BB962C8B-B14F-4D97-AF65-F5344CB8AC3E}">
+        <p14:creationId xmlns:p14="http://schemas.microsoft.com/office/powerpoint/2010/main" val="1406868950"/>
       </p:ext>
     </p:extLst>
   </p:cSld>
@@ -3332,4 +6418,265 @@
     </a:ext>
   </a:extLst>
 </a:theme>
+</file>
+
+<file path=ppt/theme/theme2.xml><?xml version="1.0" encoding="utf-8"?>
+<a:theme xmlns:a="http://schemas.openxmlformats.org/drawingml/2006/main" name="Office 테마">
+  <a:themeElements>
+    <a:clrScheme name="Office">
+      <a:dk1>
+        <a:sysClr val="windowText" lastClr="000000"/>
+      </a:dk1>
+      <a:lt1>
+        <a:sysClr val="window" lastClr="FFFFFF"/>
+      </a:lt1>
+      <a:dk2>
+        <a:srgbClr val="44546A"/>
+      </a:dk2>
+      <a:lt2>
+        <a:srgbClr val="E7E6E6"/>
+      </a:lt2>
+      <a:accent1>
+        <a:srgbClr val="5B9BD5"/>
+      </a:accent1>
+      <a:accent2>
+        <a:srgbClr val="ED7D31"/>
+      </a:accent2>
+      <a:accent3>
+        <a:srgbClr val="A5A5A5"/>
+      </a:accent3>
+      <a:accent4>
+        <a:srgbClr val="FFC000"/>
+      </a:accent4>
+      <a:accent5>
+        <a:srgbClr val="4472C4"/>
+      </a:accent5>
+      <a:accent6>
+        <a:srgbClr val="70AD47"/>
+      </a:accent6>
+      <a:hlink>
+        <a:srgbClr val="0563C1"/>
+      </a:hlink>
+      <a:folHlink>
+        <a:srgbClr val="954F72"/>
+      </a:folHlink>
+    </a:clrScheme>
+    <a:fontScheme name="Office">
+      <a:majorFont>
+        <a:latin typeface="맑은 고딕" panose="020F0302020204030204"/>
+        <a:ea typeface=""/>
+        <a:cs typeface=""/>
+        <a:font script="Jpan" typeface="游ゴシック Light"/>
+        <a:font script="Hang" typeface="맑은 고딕"/>
+        <a:font script="Hans" typeface="等线 Light"/>
+        <a:font script="Hant" typeface="新細明體"/>
+        <a:font script="Arab" typeface="Times New Roman"/>
+        <a:font script="Hebr" typeface="Times New Roman"/>
+        <a:font script="Thai" typeface="Angsana New"/>
+        <a:font script="Ethi" typeface="Nyala"/>
+        <a:font script="Beng" typeface="Vrinda"/>
+        <a:font script="Gujr" typeface="Shruti"/>
+        <a:font script="Khmr" typeface="MoolBoran"/>
+        <a:font script="Knda" typeface="Tunga"/>
+        <a:font script="Guru" typeface="Raavi"/>
+        <a:font script="Cans" typeface="Euphemia"/>
+        <a:font script="Cher" typeface="Plantagenet Cherokee"/>
+        <a:font script="Yiii" typeface="Microsoft Yi Baiti"/>
+        <a:font script="Tibt" typeface="Microsoft Himalaya"/>
+        <a:font script="Thaa" typeface="MV Boli"/>
+        <a:font script="Deva" typeface="Mangal"/>
+        <a:font script="Telu" typeface="Gautami"/>
+        <a:font script="Taml" typeface="Latha"/>
+        <a:font script="Syrc" typeface="Estrangelo Edessa"/>
+        <a:font script="Orya" typeface="Kalinga"/>
+        <a:font script="Mlym" typeface="Kartika"/>
+        <a:font script="Laoo" typeface="DokChampa"/>
+        <a:font script="Sinh" typeface="Iskoola Pota"/>
+        <a:font script="Mong" typeface="Mongolian Baiti"/>
+        <a:font script="Viet" typeface="Times New Roman"/>
+        <a:font script="Uigh" typeface="Microsoft Uighur"/>
+        <a:font script="Geor" typeface="Sylfaen"/>
+      </a:majorFont>
+      <a:minorFont>
+        <a:latin typeface="맑은 고딕" panose="020F0502020204030204"/>
+        <a:ea typeface=""/>
+        <a:cs typeface=""/>
+        <a:font script="Jpan" typeface="游ゴシック"/>
+        <a:font script="Hang" typeface="맑은 고딕"/>
+        <a:font script="Hans" typeface="等线"/>
+        <a:font script="Hant" typeface="新細明體"/>
+        <a:font script="Arab" typeface="Arial"/>
+        <a:font script="Hebr" typeface="Arial"/>
+        <a:font script="Thai" typeface="Cordia New"/>
+        <a:font script="Ethi" typeface="Nyala"/>
+        <a:font script="Beng" typeface="Vrinda"/>
+        <a:font script="Gujr" typeface="Shruti"/>
+        <a:font script="Khmr" typeface="DaunPenh"/>
+        <a:font script="Knda" typeface="Tunga"/>
+        <a:font script="Guru" typeface="Raavi"/>
+        <a:font script="Cans" typeface="Euphemia"/>
+        <a:font script="Cher" typeface="Plantagenet Cherokee"/>
+        <a:font script="Yiii" typeface="Microsoft Yi Baiti"/>
+        <a:font script="Tibt" typeface="Microsoft Himalaya"/>
+        <a:font script="Thaa" typeface="MV Boli"/>
+        <a:font script="Deva" typeface="Mangal"/>
+        <a:font script="Telu" typeface="Gautami"/>
+        <a:font script="Taml" typeface="Latha"/>
+        <a:font script="Syrc" typeface="Estrangelo Edessa"/>
+        <a:font script="Orya" typeface="Kalinga"/>
+        <a:font script="Mlym" typeface="Kartika"/>
+        <a:font script="Laoo" typeface="DokChampa"/>
+        <a:font script="Sinh" typeface="Iskoola Pota"/>
+        <a:font script="Mong" typeface="Mongolian Baiti"/>
+        <a:font script="Viet" typeface="Arial"/>
+        <a:font script="Uigh" typeface="Microsoft Uighur"/>
+        <a:font script="Geor" typeface="Sylfaen"/>
+      </a:minorFont>
+    </a:fontScheme>
+    <a:fmtScheme name="Office">
+      <a:fillStyleLst>
+        <a:solidFill>
+          <a:schemeClr val="phClr"/>
+        </a:solidFill>
+        <a:gradFill rotWithShape="1">
+          <a:gsLst>
+            <a:gs pos="0">
+              <a:schemeClr val="phClr">
+                <a:lumMod val="110000"/>
+                <a:satMod val="105000"/>
+                <a:tint val="67000"/>
+              </a:schemeClr>
+            </a:gs>
+            <a:gs pos="50000">
+              <a:schemeClr val="phClr">
+                <a:lumMod val="105000"/>
+                <a:satMod val="103000"/>
+                <a:tint val="73000"/>
+              </a:schemeClr>
+            </a:gs>
+            <a:gs pos="100000">
+              <a:schemeClr val="phClr">
+                <a:lumMod val="105000"/>
+                <a:satMod val="109000"/>
+                <a:tint val="81000"/>
+              </a:schemeClr>
+            </a:gs>
+          </a:gsLst>
+          <a:lin ang="5400000" scaled="0"/>
+        </a:gradFill>
+        <a:gradFill rotWithShape="1">
+          <a:gsLst>
+            <a:gs pos="0">
+              <a:schemeClr val="phClr">
+                <a:satMod val="103000"/>
+                <a:lumMod val="102000"/>
+                <a:tint val="94000"/>
+              </a:schemeClr>
+            </a:gs>
+            <a:gs pos="50000">
+              <a:schemeClr val="phClr">
+                <a:satMod val="110000"/>
+                <a:lumMod val="100000"/>
+                <a:shade val="100000"/>
+              </a:schemeClr>
+            </a:gs>
+            <a:gs pos="100000">
+              <a:schemeClr val="phClr">
+                <a:lumMod val="99000"/>
+                <a:satMod val="120000"/>
+                <a:shade val="78000"/>
+              </a:schemeClr>
+            </a:gs>
+          </a:gsLst>
+          <a:lin ang="5400000" scaled="0"/>
+        </a:gradFill>
+      </a:fillStyleLst>
+      <a:lnStyleLst>
+        <a:ln w="6350" cap="flat" cmpd="sng" algn="ctr">
+          <a:solidFill>
+            <a:schemeClr val="phClr"/>
+          </a:solidFill>
+          <a:prstDash val="solid"/>
+          <a:miter lim="800000"/>
+        </a:ln>
+        <a:ln w="12700" cap="flat" cmpd="sng" algn="ctr">
+          <a:solidFill>
+            <a:schemeClr val="phClr"/>
+          </a:solidFill>
+          <a:prstDash val="solid"/>
+          <a:miter lim="800000"/>
+        </a:ln>
+        <a:ln w="19050" cap="flat" cmpd="sng" algn="ctr">
+          <a:solidFill>
+            <a:schemeClr val="phClr"/>
+          </a:solidFill>
+          <a:prstDash val="solid"/>
+          <a:miter lim="800000"/>
+        </a:ln>
+      </a:lnStyleLst>
+      <a:effectStyleLst>
+        <a:effectStyle>
+          <a:effectLst/>
+        </a:effectStyle>
+        <a:effectStyle>
+          <a:effectLst/>
+        </a:effectStyle>
+        <a:effectStyle>
+          <a:effectLst>
+            <a:outerShdw blurRad="57150" dist="19050" dir="5400000" algn="ctr" rotWithShape="0">
+              <a:srgbClr val="000000">
+                <a:alpha val="63000"/>
+              </a:srgbClr>
+            </a:outerShdw>
+          </a:effectLst>
+        </a:effectStyle>
+      </a:effectStyleLst>
+      <a:bgFillStyleLst>
+        <a:solidFill>
+          <a:schemeClr val="phClr"/>
+        </a:solidFill>
+        <a:solidFill>
+          <a:schemeClr val="phClr">
+            <a:tint val="95000"/>
+            <a:satMod val="170000"/>
+          </a:schemeClr>
+        </a:solidFill>
+        <a:gradFill rotWithShape="1">
+          <a:gsLst>
+            <a:gs pos="0">
+              <a:schemeClr val="phClr">
+                <a:tint val="93000"/>
+                <a:satMod val="150000"/>
+                <a:shade val="98000"/>
+                <a:lumMod val="102000"/>
+              </a:schemeClr>
+            </a:gs>
+            <a:gs pos="50000">
+              <a:schemeClr val="phClr">
+                <a:tint val="98000"/>
+                <a:satMod val="130000"/>
+                <a:shade val="90000"/>
+                <a:lumMod val="103000"/>
+              </a:schemeClr>
+            </a:gs>
+            <a:gs pos="100000">
+              <a:schemeClr val="phClr">
+                <a:shade val="63000"/>
+                <a:satMod val="120000"/>
+              </a:schemeClr>
+            </a:gs>
+          </a:gsLst>
+          <a:lin ang="5400000" scaled="0"/>
+        </a:gradFill>
+      </a:bgFillStyleLst>
+    </a:fmtScheme>
+  </a:themeElements>
+  <a:objectDefaults/>
+  <a:extraClrSchemeLst/>
+  <a:extLst>
+    <a:ext uri="{05A4C25C-085E-4340-85A3-A5531E510DB2}">
+      <thm15:themeFamily xmlns:thm15="http://schemas.microsoft.com/office/thememl/2012/main" name="Office Theme" id="{62F939B6-93AF-4DB8-9C6B-D6C7DFDC589F}" vid="{4A3C46E8-61CC-4603-A589-7422A47A8E4A}"/>
+    </a:ext>
+  </a:extLst>
+</a:theme>
 </file>
--- a/project03 - 발표1.pptx
+++ b/project03 - 발표1.pptx
@@ -203,7 +203,7 @@
           <a:p>
             <a:fld id="{4ABE32E9-08D9-49EE-8EF8-CE0A0967D341}" type="datetimeFigureOut">
               <a:rPr lang="ko-KR" altLang="en-US" smtClean="0"/>
-              <a:t>2020-02-04</a:t>
+              <a:t>2020-02-05</a:t>
             </a:fld>
             <a:endParaRPr lang="ko-KR" altLang="en-US"/>
           </a:p>
@@ -711,7 +711,7 @@
           <a:p>
             <a:fld id="{B806EDB3-AE2D-48EC-95AA-65CAE85E2C33}" type="datetimeFigureOut">
               <a:rPr lang="ko-KR" altLang="en-US" smtClean="0"/>
-              <a:t>2020-02-04</a:t>
+              <a:t>2020-02-05</a:t>
             </a:fld>
             <a:endParaRPr lang="ko-KR" altLang="en-US"/>
           </a:p>
@@ -881,7 +881,7 @@
           <a:p>
             <a:fld id="{B806EDB3-AE2D-48EC-95AA-65CAE85E2C33}" type="datetimeFigureOut">
               <a:rPr lang="ko-KR" altLang="en-US" smtClean="0"/>
-              <a:t>2020-02-04</a:t>
+              <a:t>2020-02-05</a:t>
             </a:fld>
             <a:endParaRPr lang="ko-KR" altLang="en-US"/>
           </a:p>
@@ -1061,7 +1061,7 @@
           <a:p>
             <a:fld id="{B806EDB3-AE2D-48EC-95AA-65CAE85E2C33}" type="datetimeFigureOut">
               <a:rPr lang="ko-KR" altLang="en-US" smtClean="0"/>
-              <a:t>2020-02-04</a:t>
+              <a:t>2020-02-05</a:t>
             </a:fld>
             <a:endParaRPr lang="ko-KR" altLang="en-US"/>
           </a:p>
@@ -1231,7 +1231,7 @@
           <a:p>
             <a:fld id="{B806EDB3-AE2D-48EC-95AA-65CAE85E2C33}" type="datetimeFigureOut">
               <a:rPr lang="ko-KR" altLang="en-US" smtClean="0"/>
-              <a:t>2020-02-04</a:t>
+              <a:t>2020-02-05</a:t>
             </a:fld>
             <a:endParaRPr lang="ko-KR" altLang="en-US"/>
           </a:p>
@@ -1477,7 +1477,7 @@
           <a:p>
             <a:fld id="{B806EDB3-AE2D-48EC-95AA-65CAE85E2C33}" type="datetimeFigureOut">
               <a:rPr lang="ko-KR" altLang="en-US" smtClean="0"/>
-              <a:t>2020-02-04</a:t>
+              <a:t>2020-02-05</a:t>
             </a:fld>
             <a:endParaRPr lang="ko-KR" altLang="en-US"/>
           </a:p>
@@ -1709,7 +1709,7 @@
           <a:p>
             <a:fld id="{B806EDB3-AE2D-48EC-95AA-65CAE85E2C33}" type="datetimeFigureOut">
               <a:rPr lang="ko-KR" altLang="en-US" smtClean="0"/>
-              <a:t>2020-02-04</a:t>
+              <a:t>2020-02-05</a:t>
             </a:fld>
             <a:endParaRPr lang="ko-KR" altLang="en-US"/>
           </a:p>
@@ -2076,7 +2076,7 @@
           <a:p>
             <a:fld id="{B806EDB3-AE2D-48EC-95AA-65CAE85E2C33}" type="datetimeFigureOut">
               <a:rPr lang="ko-KR" altLang="en-US" smtClean="0"/>
-              <a:t>2020-02-04</a:t>
+              <a:t>2020-02-05</a:t>
             </a:fld>
             <a:endParaRPr lang="ko-KR" altLang="en-US"/>
           </a:p>
@@ -2194,7 +2194,7 @@
           <a:p>
             <a:fld id="{B806EDB3-AE2D-48EC-95AA-65CAE85E2C33}" type="datetimeFigureOut">
               <a:rPr lang="ko-KR" altLang="en-US" smtClean="0"/>
-              <a:t>2020-02-04</a:t>
+              <a:t>2020-02-05</a:t>
             </a:fld>
             <a:endParaRPr lang="ko-KR" altLang="en-US"/>
           </a:p>
@@ -2289,7 +2289,7 @@
           <a:p>
             <a:fld id="{B806EDB3-AE2D-48EC-95AA-65CAE85E2C33}" type="datetimeFigureOut">
               <a:rPr lang="ko-KR" altLang="en-US" smtClean="0"/>
-              <a:t>2020-02-04</a:t>
+              <a:t>2020-02-05</a:t>
             </a:fld>
             <a:endParaRPr lang="ko-KR" altLang="en-US"/>
           </a:p>
@@ -2566,7 +2566,7 @@
           <a:p>
             <a:fld id="{B806EDB3-AE2D-48EC-95AA-65CAE85E2C33}" type="datetimeFigureOut">
               <a:rPr lang="ko-KR" altLang="en-US" smtClean="0"/>
-              <a:t>2020-02-04</a:t>
+              <a:t>2020-02-05</a:t>
             </a:fld>
             <a:endParaRPr lang="ko-KR" altLang="en-US"/>
           </a:p>
@@ -2819,7 +2819,7 @@
           <a:p>
             <a:fld id="{B806EDB3-AE2D-48EC-95AA-65CAE85E2C33}" type="datetimeFigureOut">
               <a:rPr lang="ko-KR" altLang="en-US" smtClean="0"/>
-              <a:t>2020-02-04</a:t>
+              <a:t>2020-02-05</a:t>
             </a:fld>
             <a:endParaRPr lang="ko-KR" altLang="en-US"/>
           </a:p>
@@ -3032,7 +3032,7 @@
           <a:p>
             <a:fld id="{B806EDB3-AE2D-48EC-95AA-65CAE85E2C33}" type="datetimeFigureOut">
               <a:rPr lang="ko-KR" altLang="en-US" smtClean="0"/>
-              <a:t>2020-02-04</a:t>
+              <a:t>2020-02-05</a:t>
             </a:fld>
             <a:endParaRPr lang="ko-KR" altLang="en-US"/>
           </a:p>
@@ -3449,7 +3449,7 @@
         </p:nvSpPr>
         <p:spPr>
           <a:xfrm>
-            <a:off x="5836023" y="584480"/>
+            <a:off x="6276261" y="538868"/>
             <a:ext cx="4831976" cy="2387600"/>
           </a:xfrm>
         </p:spPr>
@@ -3477,7 +3477,7 @@
         </p:nvSpPr>
         <p:spPr>
           <a:xfrm>
-            <a:off x="9236577" y="3826120"/>
+            <a:off x="9781522" y="3798411"/>
             <a:ext cx="1207477" cy="2618642"/>
           </a:xfrm>
         </p:spPr>
@@ -3534,9 +3534,51 @@
           </a:p>
         </p:txBody>
       </p:sp>
+      <p:sp>
+        <p:nvSpPr>
+          <p:cNvPr id="5" name="TextBox 4"/>
+          <p:cNvSpPr txBox="1"/>
+          <p:nvPr/>
+        </p:nvSpPr>
+        <p:spPr>
+          <a:xfrm>
+            <a:off x="6070245" y="3103241"/>
+            <a:ext cx="5037992" cy="369332"/>
+          </a:xfrm>
+          <a:prstGeom prst="rect">
+            <a:avLst/>
+          </a:prstGeom>
+          <a:noFill/>
+        </p:spPr>
+        <p:txBody>
+          <a:bodyPr wrap="square" rtlCol="0">
+            <a:spAutoFit/>
+          </a:bodyPr>
+          <a:lstStyle/>
+          <a:p>
+            <a:r>
+              <a:rPr lang="en-US" altLang="ko-KR" dirty="0" smtClean="0"/>
+              <a:t>SNS</a:t>
+            </a:r>
+            <a:r>
+              <a:rPr lang="ko-KR" altLang="en-US" dirty="0" smtClean="0"/>
+              <a:t>를 통한 다수로부터 소규모 후원</a:t>
+            </a:r>
+            <a:r>
+              <a:rPr lang="en-US" altLang="ko-KR" dirty="0" smtClean="0"/>
+              <a:t>, </a:t>
+            </a:r>
+            <a:r>
+              <a:rPr lang="ko-KR" altLang="en-US" dirty="0" smtClean="0"/>
+              <a:t>투자 모음</a:t>
+            </a:r>
+            <a:endParaRPr lang="ko-KR" altLang="en-US" dirty="0"/>
+          </a:p>
+        </p:txBody>
+      </p:sp>
       <p:pic>
         <p:nvPicPr>
-          <p:cNvPr id="4" name="그림 3"/>
+          <p:cNvPr id="10" name="그림 9"/>
           <p:cNvPicPr>
             <a:picLocks noChangeAspect="1"/>
           </p:cNvPicPr>
@@ -3556,56 +3598,14 @@
         </p:blipFill>
         <p:spPr>
           <a:xfrm>
-            <a:off x="621925" y="996462"/>
-            <a:ext cx="4762500" cy="4762500"/>
+            <a:off x="760268" y="538868"/>
+            <a:ext cx="4429414" cy="4429414"/>
           </a:xfrm>
           <a:prstGeom prst="rect">
             <a:avLst/>
           </a:prstGeom>
         </p:spPr>
       </p:pic>
-      <p:sp>
-        <p:nvSpPr>
-          <p:cNvPr id="5" name="TextBox 4"/>
-          <p:cNvSpPr txBox="1"/>
-          <p:nvPr/>
-        </p:nvSpPr>
-        <p:spPr>
-          <a:xfrm>
-            <a:off x="5996354" y="3112477"/>
-            <a:ext cx="5037992" cy="369332"/>
-          </a:xfrm>
-          <a:prstGeom prst="rect">
-            <a:avLst/>
-          </a:prstGeom>
-          <a:noFill/>
-        </p:spPr>
-        <p:txBody>
-          <a:bodyPr wrap="square" rtlCol="0">
-            <a:spAutoFit/>
-          </a:bodyPr>
-          <a:lstStyle/>
-          <a:p>
-            <a:r>
-              <a:rPr lang="en-US" altLang="ko-KR" dirty="0" smtClean="0"/>
-              <a:t>SNS</a:t>
-            </a:r>
-            <a:r>
-              <a:rPr lang="ko-KR" altLang="en-US" dirty="0" smtClean="0"/>
-              <a:t>를 통한 다수로부터 소규모 후원</a:t>
-            </a:r>
-            <a:r>
-              <a:rPr lang="en-US" altLang="ko-KR" dirty="0" smtClean="0"/>
-              <a:t>, </a:t>
-            </a:r>
-            <a:r>
-              <a:rPr lang="ko-KR" altLang="en-US" dirty="0" smtClean="0"/>
-              <a:t>투자 모음</a:t>
-            </a:r>
-            <a:endParaRPr lang="ko-KR" altLang="en-US" dirty="0"/>
-          </a:p>
-        </p:txBody>
-      </p:sp>
     </p:spTree>
     <p:extLst>
       <p:ext uri="{BB962C8B-B14F-4D97-AF65-F5344CB8AC3E}">
@@ -3636,6 +3636,30 @@
           <a:chExt cx="0" cy="0"/>
         </a:xfrm>
       </p:grpSpPr>
+      <p:pic>
+        <p:nvPicPr>
+          <p:cNvPr id="5" name="그림 4"/>
+          <p:cNvPicPr>
+            <a:picLocks noChangeAspect="1"/>
+          </p:cNvPicPr>
+          <p:nvPr/>
+        </p:nvPicPr>
+        <p:blipFill>
+          <a:blip r:embed="rId2"/>
+          <a:stretch>
+            <a:fillRect/>
+          </a:stretch>
+        </p:blipFill>
+        <p:spPr>
+          <a:xfrm>
+            <a:off x="0" y="1340"/>
+            <a:ext cx="12192000" cy="6855319"/>
+          </a:xfrm>
+          <a:prstGeom prst="rect">
+            <a:avLst/>
+          </a:prstGeom>
+        </p:spPr>
+      </p:pic>
       <p:sp>
         <p:nvSpPr>
           <p:cNvPr id="2" name="제목 1"/>
@@ -3760,6 +3784,30 @@
           <a:chExt cx="0" cy="0"/>
         </a:xfrm>
       </p:grpSpPr>
+      <p:pic>
+        <p:nvPicPr>
+          <p:cNvPr id="4" name="그림 3"/>
+          <p:cNvPicPr>
+            <a:picLocks noChangeAspect="1"/>
+          </p:cNvPicPr>
+          <p:nvPr/>
+        </p:nvPicPr>
+        <p:blipFill>
+          <a:blip r:embed="rId2"/>
+          <a:stretch>
+            <a:fillRect/>
+          </a:stretch>
+        </p:blipFill>
+        <p:spPr>
+          <a:xfrm>
+            <a:off x="0" y="1340"/>
+            <a:ext cx="12192000" cy="6855319"/>
+          </a:xfrm>
+          <a:prstGeom prst="rect">
+            <a:avLst/>
+          </a:prstGeom>
+        </p:spPr>
+      </p:pic>
       <p:sp>
         <p:nvSpPr>
           <p:cNvPr id="2" name="제목 1"/>
@@ -3844,6 +3892,30 @@
           <a:chExt cx="0" cy="0"/>
         </a:xfrm>
       </p:grpSpPr>
+      <p:pic>
+        <p:nvPicPr>
+          <p:cNvPr id="4" name="그림 3"/>
+          <p:cNvPicPr>
+            <a:picLocks noChangeAspect="1"/>
+          </p:cNvPicPr>
+          <p:nvPr/>
+        </p:nvPicPr>
+        <p:blipFill>
+          <a:blip r:embed="rId2"/>
+          <a:stretch>
+            <a:fillRect/>
+          </a:stretch>
+        </p:blipFill>
+        <p:spPr>
+          <a:xfrm>
+            <a:off x="0" y="1340"/>
+            <a:ext cx="12192000" cy="6855319"/>
+          </a:xfrm>
+          <a:prstGeom prst="rect">
+            <a:avLst/>
+          </a:prstGeom>
+        </p:spPr>
+      </p:pic>
       <p:sp>
         <p:nvSpPr>
           <p:cNvPr id="2" name="제목 1"/>
@@ -3922,12 +3994,36 @@
       </p:grpSpPr>
       <p:pic>
         <p:nvPicPr>
+          <p:cNvPr id="2" name="그림 1"/>
+          <p:cNvPicPr>
+            <a:picLocks noChangeAspect="1"/>
+          </p:cNvPicPr>
+          <p:nvPr/>
+        </p:nvPicPr>
+        <p:blipFill>
+          <a:blip r:embed="rId3"/>
+          <a:stretch>
+            <a:fillRect/>
+          </a:stretch>
+        </p:blipFill>
+        <p:spPr>
+          <a:xfrm>
+            <a:off x="0" y="1340"/>
+            <a:ext cx="12192000" cy="6855319"/>
+          </a:xfrm>
+          <a:prstGeom prst="rect">
+            <a:avLst/>
+          </a:prstGeom>
+        </p:spPr>
+      </p:pic>
+      <p:pic>
+        <p:nvPicPr>
           <p:cNvPr id="55" name="Google Shape;55;p13"/>
           <p:cNvPicPr preferRelativeResize="0"/>
           <p:nvPr/>
         </p:nvPicPr>
         <p:blipFill>
-          <a:blip r:embed="rId3">
+          <a:blip r:embed="rId4">
             <a:alphaModFix/>
           </a:blip>
           <a:stretch>
@@ -3997,7 +4093,7 @@
           <p:nvPr/>
         </p:nvPicPr>
         <p:blipFill>
-          <a:blip r:embed="rId3">
+          <a:blip r:embed="rId4">
             <a:alphaModFix/>
           </a:blip>
           <a:stretch>
@@ -4944,7 +5040,7 @@
           <p:nvPr/>
         </p:nvPicPr>
         <p:blipFill>
-          <a:blip r:embed="rId3">
+          <a:blip r:embed="rId4">
             <a:alphaModFix/>
           </a:blip>
           <a:stretch>
@@ -5667,11 +5763,7 @@
             </a:pPr>
             <a:r>
               <a:rPr lang="ko-KR" altLang="en-US" sz="1300" dirty="0" smtClean="0"/>
-              <a:t>프로젝트 의견 </a:t>
-            </a:r>
-            <a:r>
-              <a:rPr lang="ko-KR" altLang="en-US" sz="1300" dirty="0" smtClean="0"/>
-              <a:t>교환</a:t>
+              <a:t>프로젝트 의견 교환</a:t>
             </a:r>
             <a:endParaRPr sz="1300" dirty="0"/>
           </a:p>
@@ -6024,6 +6116,30 @@
           <a:chExt cx="0" cy="0"/>
         </a:xfrm>
       </p:grpSpPr>
+      <p:pic>
+        <p:nvPicPr>
+          <p:cNvPr id="4" name="그림 3"/>
+          <p:cNvPicPr>
+            <a:picLocks noChangeAspect="1"/>
+          </p:cNvPicPr>
+          <p:nvPr/>
+        </p:nvPicPr>
+        <p:blipFill>
+          <a:blip r:embed="rId2"/>
+          <a:stretch>
+            <a:fillRect/>
+          </a:stretch>
+        </p:blipFill>
+        <p:spPr>
+          <a:xfrm>
+            <a:off x="0" y="1340"/>
+            <a:ext cx="12192000" cy="6855319"/>
+          </a:xfrm>
+          <a:prstGeom prst="rect">
+            <a:avLst/>
+          </a:prstGeom>
+        </p:spPr>
+      </p:pic>
       <p:sp>
         <p:nvSpPr>
           <p:cNvPr id="2" name="제목 1"/>
@@ -6100,6 +6216,30 @@
           <a:chExt cx="0" cy="0"/>
         </a:xfrm>
       </p:grpSpPr>
+      <p:pic>
+        <p:nvPicPr>
+          <p:cNvPr id="4" name="그림 3"/>
+          <p:cNvPicPr>
+            <a:picLocks noChangeAspect="1"/>
+          </p:cNvPicPr>
+          <p:nvPr/>
+        </p:nvPicPr>
+        <p:blipFill>
+          <a:blip r:embed="rId2"/>
+          <a:stretch>
+            <a:fillRect/>
+          </a:stretch>
+        </p:blipFill>
+        <p:spPr>
+          <a:xfrm>
+            <a:off x="0" y="1340"/>
+            <a:ext cx="12192000" cy="6855319"/>
+          </a:xfrm>
+          <a:prstGeom prst="rect">
+            <a:avLst/>
+          </a:prstGeom>
+        </p:spPr>
+      </p:pic>
       <p:sp>
         <p:nvSpPr>
           <p:cNvPr id="2" name="제목 1"/>

--- a/project03 - 발표1.pptx
+++ b/project03 - 발표1.pptx
@@ -115,7 +115,7 @@
   </p:defaultTextStyle>
   <p:extLst>
     <p:ext uri="{EFAFB233-063F-42B5-8137-9DF3F51BA10A}">
-      <p15:sldGuideLst xmlns:p15="http://schemas.microsoft.com/office/powerpoint/2012/main"/>
+      <p15:sldGuideLst xmlns:p15="http://schemas.microsoft.com/office/powerpoint/2012/main" xmlns=""/>
     </p:ext>
   </p:extLst>
 </p:presentation>
@@ -203,7 +203,7 @@
           <a:p>
             <a:fld id="{4ABE32E9-08D9-49EE-8EF8-CE0A0967D341}" type="datetimeFigureOut">
               <a:rPr lang="ko-KR" altLang="en-US" smtClean="0"/>
-              <a:t>2020-02-04</a:t>
+              <a:t>2020-02-05</a:t>
             </a:fld>
             <a:endParaRPr lang="ko-KR" altLang="en-US"/>
           </a:p>
@@ -711,7 +711,7 @@
           <a:p>
             <a:fld id="{B806EDB3-AE2D-48EC-95AA-65CAE85E2C33}" type="datetimeFigureOut">
               <a:rPr lang="ko-KR" altLang="en-US" smtClean="0"/>
-              <a:t>2020-02-04</a:t>
+              <a:t>2020-02-05</a:t>
             </a:fld>
             <a:endParaRPr lang="ko-KR" altLang="en-US"/>
           </a:p>
@@ -881,7 +881,7 @@
           <a:p>
             <a:fld id="{B806EDB3-AE2D-48EC-95AA-65CAE85E2C33}" type="datetimeFigureOut">
               <a:rPr lang="ko-KR" altLang="en-US" smtClean="0"/>
-              <a:t>2020-02-04</a:t>
+              <a:t>2020-02-05</a:t>
             </a:fld>
             <a:endParaRPr lang="ko-KR" altLang="en-US"/>
           </a:p>
@@ -1061,7 +1061,7 @@
           <a:p>
             <a:fld id="{B806EDB3-AE2D-48EC-95AA-65CAE85E2C33}" type="datetimeFigureOut">
               <a:rPr lang="ko-KR" altLang="en-US" smtClean="0"/>
-              <a:t>2020-02-04</a:t>
+              <a:t>2020-02-05</a:t>
             </a:fld>
             <a:endParaRPr lang="ko-KR" altLang="en-US"/>
           </a:p>
@@ -1231,7 +1231,7 @@
           <a:p>
             <a:fld id="{B806EDB3-AE2D-48EC-95AA-65CAE85E2C33}" type="datetimeFigureOut">
               <a:rPr lang="ko-KR" altLang="en-US" smtClean="0"/>
-              <a:t>2020-02-04</a:t>
+              <a:t>2020-02-05</a:t>
             </a:fld>
             <a:endParaRPr lang="ko-KR" altLang="en-US"/>
           </a:p>
@@ -1477,7 +1477,7 @@
           <a:p>
             <a:fld id="{B806EDB3-AE2D-48EC-95AA-65CAE85E2C33}" type="datetimeFigureOut">
               <a:rPr lang="ko-KR" altLang="en-US" smtClean="0"/>
-              <a:t>2020-02-04</a:t>
+              <a:t>2020-02-05</a:t>
             </a:fld>
             <a:endParaRPr lang="ko-KR" altLang="en-US"/>
           </a:p>
@@ -1709,7 +1709,7 @@
           <a:p>
             <a:fld id="{B806EDB3-AE2D-48EC-95AA-65CAE85E2C33}" type="datetimeFigureOut">
               <a:rPr lang="ko-KR" altLang="en-US" smtClean="0"/>
-              <a:t>2020-02-04</a:t>
+              <a:t>2020-02-05</a:t>
             </a:fld>
             <a:endParaRPr lang="ko-KR" altLang="en-US"/>
           </a:p>
@@ -2076,7 +2076,7 @@
           <a:p>
             <a:fld id="{B806EDB3-AE2D-48EC-95AA-65CAE85E2C33}" type="datetimeFigureOut">
               <a:rPr lang="ko-KR" altLang="en-US" smtClean="0"/>
-              <a:t>2020-02-04</a:t>
+              <a:t>2020-02-05</a:t>
             </a:fld>
             <a:endParaRPr lang="ko-KR" altLang="en-US"/>
           </a:p>
@@ -2194,7 +2194,7 @@
           <a:p>
             <a:fld id="{B806EDB3-AE2D-48EC-95AA-65CAE85E2C33}" type="datetimeFigureOut">
               <a:rPr lang="ko-KR" altLang="en-US" smtClean="0"/>
-              <a:t>2020-02-04</a:t>
+              <a:t>2020-02-05</a:t>
             </a:fld>
             <a:endParaRPr lang="ko-KR" altLang="en-US"/>
           </a:p>
@@ -2289,7 +2289,7 @@
           <a:p>
             <a:fld id="{B806EDB3-AE2D-48EC-95AA-65CAE85E2C33}" type="datetimeFigureOut">
               <a:rPr lang="ko-KR" altLang="en-US" smtClean="0"/>
-              <a:t>2020-02-04</a:t>
+              <a:t>2020-02-05</a:t>
             </a:fld>
             <a:endParaRPr lang="ko-KR" altLang="en-US"/>
           </a:p>
@@ -2566,7 +2566,7 @@
           <a:p>
             <a:fld id="{B806EDB3-AE2D-48EC-95AA-65CAE85E2C33}" type="datetimeFigureOut">
               <a:rPr lang="ko-KR" altLang="en-US" smtClean="0"/>
-              <a:t>2020-02-04</a:t>
+              <a:t>2020-02-05</a:t>
             </a:fld>
             <a:endParaRPr lang="ko-KR" altLang="en-US"/>
           </a:p>
@@ -2819,7 +2819,7 @@
           <a:p>
             <a:fld id="{B806EDB3-AE2D-48EC-95AA-65CAE85E2C33}" type="datetimeFigureOut">
               <a:rPr lang="ko-KR" altLang="en-US" smtClean="0"/>
-              <a:t>2020-02-04</a:t>
+              <a:t>2020-02-05</a:t>
             </a:fld>
             <a:endParaRPr lang="ko-KR" altLang="en-US"/>
           </a:p>
@@ -3032,7 +3032,7 @@
           <a:p>
             <a:fld id="{B806EDB3-AE2D-48EC-95AA-65CAE85E2C33}" type="datetimeFigureOut">
               <a:rPr lang="ko-KR" altLang="en-US" smtClean="0"/>
-              <a:t>2020-02-04</a:t>
+              <a:t>2020-02-05</a:t>
             </a:fld>
             <a:endParaRPr lang="ko-KR" altLang="en-US"/>
           </a:p>
@@ -3936,7 +3936,7 @@
         </p:blipFill>
         <p:spPr>
           <a:xfrm>
-            <a:off x="663945" y="3169561"/>
+            <a:off x="663945" y="3240681"/>
             <a:ext cx="354000" cy="708000"/>
           </a:xfrm>
           <a:prstGeom prst="rect">
@@ -3956,7 +3956,7 @@
         </p:nvSpPr>
         <p:spPr>
           <a:xfrm>
-            <a:off x="448406" y="1089595"/>
+            <a:off x="448406" y="1160715"/>
             <a:ext cx="745961" cy="614696"/>
           </a:xfrm>
           <a:prstGeom prst="rect">
@@ -4006,7 +4006,7 @@
         </p:blipFill>
         <p:spPr>
           <a:xfrm>
-            <a:off x="11248567" y="1730667"/>
+            <a:off x="11248567" y="1801787"/>
             <a:ext cx="708000" cy="1416000"/>
           </a:xfrm>
           <a:prstGeom prst="rect">
@@ -4026,7 +4026,7 @@
         </p:nvSpPr>
         <p:spPr>
           <a:xfrm>
-            <a:off x="2183427" y="5103923"/>
+            <a:off x="2183427" y="5175043"/>
             <a:ext cx="2583200" cy="461600"/>
           </a:xfrm>
           <a:prstGeom prst="rect">
@@ -4076,7 +4076,7 @@
         </p:nvSpPr>
         <p:spPr>
           <a:xfrm>
-            <a:off x="2183427" y="1791359"/>
+            <a:off x="2183427" y="1862479"/>
             <a:ext cx="2583200" cy="461600"/>
           </a:xfrm>
           <a:prstGeom prst="rect">
@@ -4123,7 +4123,7 @@
         </p:nvSpPr>
         <p:spPr>
           <a:xfrm>
-            <a:off x="2183427" y="2343453"/>
+            <a:off x="2183427" y="2414573"/>
             <a:ext cx="2583200" cy="461600"/>
           </a:xfrm>
           <a:prstGeom prst="rect">
@@ -4165,7 +4165,7 @@
         </p:nvSpPr>
         <p:spPr>
           <a:xfrm>
-            <a:off x="2183427" y="2895547"/>
+            <a:off x="2183427" y="2966667"/>
             <a:ext cx="2583200" cy="461600"/>
           </a:xfrm>
           <a:prstGeom prst="rect">
@@ -4207,7 +4207,7 @@
         </p:nvSpPr>
         <p:spPr>
           <a:xfrm>
-            <a:off x="2183427" y="109477"/>
+            <a:off x="2183427" y="180597"/>
             <a:ext cx="2583200" cy="461600"/>
           </a:xfrm>
           <a:prstGeom prst="rect">
@@ -4269,7 +4269,7 @@
         </p:nvSpPr>
         <p:spPr>
           <a:xfrm>
-            <a:off x="2183427" y="661571"/>
+            <a:off x="2183427" y="732691"/>
             <a:ext cx="2583200" cy="474400"/>
           </a:xfrm>
           <a:prstGeom prst="rect">
@@ -4328,7 +4328,7 @@
         </p:nvSpPr>
         <p:spPr>
           <a:xfrm>
-            <a:off x="2183427" y="3447641"/>
+            <a:off x="2183427" y="3518761"/>
             <a:ext cx="2583200" cy="461600"/>
           </a:xfrm>
           <a:prstGeom prst="rect">
@@ -4378,7 +4378,7 @@
         </p:nvSpPr>
         <p:spPr>
           <a:xfrm>
-            <a:off x="2183427" y="4551829"/>
+            <a:off x="2183427" y="4622949"/>
             <a:ext cx="2583200" cy="461600"/>
           </a:xfrm>
           <a:prstGeom prst="rect">
@@ -4420,7 +4420,7 @@
         </p:nvSpPr>
         <p:spPr>
           <a:xfrm>
-            <a:off x="10934559" y="3076157"/>
+            <a:off x="10934559" y="3147277"/>
             <a:ext cx="1336000" cy="326400"/>
           </a:xfrm>
           <a:prstGeom prst="rect">
@@ -4454,7 +4454,7 @@
         </p:nvSpPr>
         <p:spPr>
           <a:xfrm>
-            <a:off x="2183427" y="5656020"/>
+            <a:off x="2183427" y="5727140"/>
             <a:ext cx="2583200" cy="461600"/>
           </a:xfrm>
           <a:prstGeom prst="rect">
@@ -4496,7 +4496,7 @@
         </p:nvSpPr>
         <p:spPr>
           <a:xfrm>
-            <a:off x="5025321" y="6337120"/>
+            <a:off x="5025321" y="6408240"/>
             <a:ext cx="1336000" cy="361000"/>
           </a:xfrm>
           <a:prstGeom prst="rect">
@@ -4541,7 +4541,7 @@
         </p:nvCxnSpPr>
         <p:spPr>
           <a:xfrm flipH="1" flipV="1">
-            <a:off x="10192833" y="969435"/>
+            <a:off x="10192833" y="1040555"/>
             <a:ext cx="1055734" cy="1469232"/>
           </a:xfrm>
           <a:prstGeom prst="straightConnector1">
@@ -4569,7 +4569,7 @@
         </p:nvSpPr>
         <p:spPr>
           <a:xfrm>
-            <a:off x="2183427" y="3999735"/>
+            <a:off x="2183427" y="4070855"/>
             <a:ext cx="2583200" cy="461600"/>
           </a:xfrm>
           <a:prstGeom prst="rect">
@@ -4611,7 +4611,7 @@
         </p:nvSpPr>
         <p:spPr>
           <a:xfrm>
-            <a:off x="8323233" y="713435"/>
+            <a:off x="8323233" y="784555"/>
             <a:ext cx="1869600" cy="512000"/>
           </a:xfrm>
           <a:prstGeom prst="rect">
@@ -4653,7 +4653,7 @@
         </p:nvSpPr>
         <p:spPr>
           <a:xfrm>
-            <a:off x="8323233" y="2502475"/>
+            <a:off x="8323233" y="2573595"/>
             <a:ext cx="1869600" cy="512000"/>
           </a:xfrm>
           <a:prstGeom prst="rect">
@@ -4695,7 +4695,7 @@
         </p:nvSpPr>
         <p:spPr>
           <a:xfrm>
-            <a:off x="8323233" y="1558000"/>
+            <a:off x="8323233" y="1629120"/>
             <a:ext cx="1869600" cy="512000"/>
           </a:xfrm>
           <a:prstGeom prst="rect">
@@ -4737,7 +4737,7 @@
         </p:nvSpPr>
         <p:spPr>
           <a:xfrm>
-            <a:off x="8323233" y="3396995"/>
+            <a:off x="8323233" y="3468115"/>
             <a:ext cx="1869600" cy="512000"/>
           </a:xfrm>
           <a:prstGeom prst="rect">
@@ -4782,7 +4782,7 @@
         </p:nvCxnSpPr>
         <p:spPr>
           <a:xfrm flipH="1">
-            <a:off x="10192833" y="2438667"/>
+            <a:off x="10192833" y="2509787"/>
             <a:ext cx="1055734" cy="319808"/>
           </a:xfrm>
           <a:prstGeom prst="straightConnector1">
@@ -4813,7 +4813,7 @@
         </p:nvCxnSpPr>
         <p:spPr>
           <a:xfrm flipH="1">
-            <a:off x="10192833" y="2438667"/>
+            <a:off x="10192833" y="2509787"/>
             <a:ext cx="1055734" cy="1214328"/>
           </a:xfrm>
           <a:prstGeom prst="straightConnector1">
@@ -4844,7 +4844,7 @@
         </p:nvCxnSpPr>
         <p:spPr>
           <a:xfrm flipH="1" flipV="1">
-            <a:off x="10192833" y="1814000"/>
+            <a:off x="10192833" y="1885120"/>
             <a:ext cx="1055734" cy="624667"/>
           </a:xfrm>
           <a:prstGeom prst="straightConnector1">
@@ -4872,7 +4872,7 @@
         </p:nvSpPr>
         <p:spPr>
           <a:xfrm>
-            <a:off x="8323233" y="5053523"/>
+            <a:off x="8323233" y="5124643"/>
             <a:ext cx="1869600" cy="512000"/>
           </a:xfrm>
           <a:prstGeom prst="rect">
@@ -4917,7 +4917,7 @@
         </p:nvCxnSpPr>
         <p:spPr>
           <a:xfrm flipH="1">
-            <a:off x="10192833" y="2438667"/>
+            <a:off x="10192833" y="2509787"/>
             <a:ext cx="1055734" cy="2870856"/>
           </a:xfrm>
           <a:prstGeom prst="straightConnector1">
@@ -4953,7 +4953,7 @@
         </p:blipFill>
         <p:spPr>
           <a:xfrm>
-            <a:off x="663945" y="502337"/>
+            <a:off x="663945" y="573457"/>
             <a:ext cx="354000" cy="708000"/>
           </a:xfrm>
           <a:prstGeom prst="rect">
@@ -4973,7 +4973,7 @@
         </p:nvSpPr>
         <p:spPr>
           <a:xfrm>
-            <a:off x="448406" y="3754361"/>
+            <a:off x="448406" y="3825481"/>
             <a:ext cx="744351" cy="614696"/>
           </a:xfrm>
           <a:prstGeom prst="rect">
@@ -5018,7 +5018,7 @@
         </p:nvCxnSpPr>
         <p:spPr>
           <a:xfrm flipV="1">
-            <a:off x="1017945" y="2022159"/>
+            <a:off x="1017945" y="2093279"/>
             <a:ext cx="1165482" cy="1501402"/>
           </a:xfrm>
           <a:prstGeom prst="straightConnector1">
@@ -5054,7 +5054,7 @@
         </p:nvCxnSpPr>
         <p:spPr>
           <a:xfrm flipV="1">
-            <a:off x="1017945" y="2574253"/>
+            <a:off x="1017945" y="2645373"/>
             <a:ext cx="1165482" cy="949308"/>
           </a:xfrm>
           <a:prstGeom prst="straightConnector1">
@@ -5090,13 +5090,13 @@
         </p:nvCxnSpPr>
         <p:spPr>
           <a:xfrm flipV="1">
-            <a:off x="1017945" y="3126347"/>
+            <a:off x="1017945" y="3197467"/>
             <a:ext cx="1165482" cy="397214"/>
           </a:xfrm>
           <a:prstGeom prst="straightConnector1">
             <a:avLst/>
           </a:prstGeom>
-          <a:ln w="76200">
+          <a:ln w="57150">
             <a:solidFill>
               <a:srgbClr val="FF0000"/>
             </a:solidFill>
@@ -5129,7 +5129,7 @@
         </p:nvCxnSpPr>
         <p:spPr>
           <a:xfrm>
-            <a:off x="1017945" y="3523561"/>
+            <a:off x="1017945" y="3594681"/>
             <a:ext cx="1165482" cy="154880"/>
           </a:xfrm>
           <a:prstGeom prst="straightConnector1">
@@ -5165,7 +5165,7 @@
         </p:nvCxnSpPr>
         <p:spPr>
           <a:xfrm>
-            <a:off x="1017945" y="3523561"/>
+            <a:off x="1017945" y="3594681"/>
             <a:ext cx="1165482" cy="706974"/>
           </a:xfrm>
           <a:prstGeom prst="straightConnector1">
@@ -5201,7 +5201,7 @@
         </p:nvCxnSpPr>
         <p:spPr>
           <a:xfrm>
-            <a:off x="1017945" y="3523561"/>
+            <a:off x="1017945" y="3594681"/>
             <a:ext cx="1165482" cy="1259068"/>
           </a:xfrm>
           <a:prstGeom prst="straightConnector1">
@@ -5237,7 +5237,7 @@
         </p:nvCxnSpPr>
         <p:spPr>
           <a:xfrm>
-            <a:off x="1017945" y="3523561"/>
+            <a:off x="1017945" y="3594681"/>
             <a:ext cx="1165482" cy="1811162"/>
           </a:xfrm>
           <a:prstGeom prst="straightConnector1">
@@ -5273,7 +5273,7 @@
         </p:nvCxnSpPr>
         <p:spPr>
           <a:xfrm>
-            <a:off x="1017945" y="3523561"/>
+            <a:off x="1017945" y="3594681"/>
             <a:ext cx="1165482" cy="2363259"/>
           </a:xfrm>
           <a:prstGeom prst="straightConnector1">
@@ -5309,7 +5309,7 @@
         </p:nvCxnSpPr>
         <p:spPr>
           <a:xfrm flipV="1">
-            <a:off x="1017945" y="340277"/>
+            <a:off x="1017945" y="411397"/>
             <a:ext cx="1165482" cy="516060"/>
           </a:xfrm>
           <a:prstGeom prst="straightConnector1">
@@ -5350,7 +5350,7 @@
         </p:nvCxnSpPr>
         <p:spPr>
           <a:xfrm>
-            <a:off x="1017945" y="856337"/>
+            <a:off x="1017945" y="927457"/>
             <a:ext cx="1165482" cy="42434"/>
           </a:xfrm>
           <a:prstGeom prst="straightConnector1">
@@ -5391,7 +5391,7 @@
         </p:nvCxnSpPr>
         <p:spPr>
           <a:xfrm flipH="1" flipV="1">
-            <a:off x="4766627" y="4230535"/>
+            <a:off x="4766627" y="4301655"/>
             <a:ext cx="3556606" cy="218203"/>
           </a:xfrm>
           <a:prstGeom prst="straightConnector1">
@@ -5432,7 +5432,7 @@
         </p:nvCxnSpPr>
         <p:spPr>
           <a:xfrm flipH="1" flipV="1">
-            <a:off x="4766627" y="898771"/>
+            <a:off x="4766627" y="969891"/>
             <a:ext cx="3556606" cy="915229"/>
           </a:xfrm>
           <a:prstGeom prst="straightConnector1">
@@ -5473,7 +5473,7 @@
         </p:nvCxnSpPr>
         <p:spPr>
           <a:xfrm flipH="1" flipV="1">
-            <a:off x="4766627" y="2022159"/>
+            <a:off x="4766627" y="2093279"/>
             <a:ext cx="3556606" cy="736316"/>
           </a:xfrm>
           <a:prstGeom prst="straightConnector1">
@@ -5514,7 +5514,7 @@
         </p:nvCxnSpPr>
         <p:spPr>
           <a:xfrm flipH="1" flipV="1">
-            <a:off x="4766627" y="2574253"/>
+            <a:off x="4766627" y="2645373"/>
             <a:ext cx="3556606" cy="184222"/>
           </a:xfrm>
           <a:prstGeom prst="straightConnector1">
@@ -5555,7 +5555,7 @@
         </p:nvCxnSpPr>
         <p:spPr>
           <a:xfrm flipH="1">
-            <a:off x="4766627" y="5309523"/>
+            <a:off x="4766627" y="5380643"/>
             <a:ext cx="3556606" cy="25200"/>
           </a:xfrm>
           <a:prstGeom prst="straightConnector1">
@@ -5596,7 +5596,7 @@
         </p:nvCxnSpPr>
         <p:spPr>
           <a:xfrm flipH="1">
-            <a:off x="4766627" y="5309523"/>
+            <a:off x="4766627" y="5380643"/>
             <a:ext cx="3556606" cy="577297"/>
           </a:xfrm>
           <a:prstGeom prst="straightConnector1">
@@ -5634,7 +5634,7 @@
         </p:nvSpPr>
         <p:spPr>
           <a:xfrm>
-            <a:off x="2183427" y="1226465"/>
+            <a:off x="2183427" y="1297585"/>
             <a:ext cx="2583200" cy="474400"/>
           </a:xfrm>
           <a:prstGeom prst="rect">
@@ -5667,11 +5667,7 @@
             </a:pPr>
             <a:r>
               <a:rPr lang="ko-KR" altLang="en-US" sz="1300" dirty="0" smtClean="0"/>
-              <a:t>프로젝트 의견 </a:t>
-            </a:r>
-            <a:r>
-              <a:rPr lang="ko-KR" altLang="en-US" sz="1300" dirty="0" smtClean="0"/>
-              <a:t>교환</a:t>
+              <a:t>프로젝트 의견 교환</a:t>
             </a:r>
             <a:endParaRPr sz="1300" dirty="0"/>
           </a:p>
@@ -5688,7 +5684,7 @@
         </p:nvCxnSpPr>
         <p:spPr>
           <a:xfrm flipV="1">
-            <a:off x="1017945" y="1463665"/>
+            <a:off x="1017945" y="1534785"/>
             <a:ext cx="1165482" cy="2059896"/>
           </a:xfrm>
           <a:prstGeom prst="straightConnector1">
@@ -5724,7 +5720,7 @@
         </p:nvCxnSpPr>
         <p:spPr>
           <a:xfrm>
-            <a:off x="1017945" y="856337"/>
+            <a:off x="1017945" y="927457"/>
             <a:ext cx="1165482" cy="607328"/>
           </a:xfrm>
           <a:prstGeom prst="straightConnector1">
@@ -5762,7 +5758,7 @@
         </p:nvSpPr>
         <p:spPr>
           <a:xfrm>
-            <a:off x="8323233" y="4192738"/>
+            <a:off x="8323233" y="4263858"/>
             <a:ext cx="1869600" cy="512000"/>
           </a:xfrm>
           <a:prstGeom prst="rect">
@@ -5807,7 +5803,7 @@
         </p:nvCxnSpPr>
         <p:spPr>
           <a:xfrm flipH="1" flipV="1">
-            <a:off x="4766627" y="340277"/>
+            <a:off x="4766627" y="411397"/>
             <a:ext cx="3556606" cy="2418198"/>
           </a:xfrm>
           <a:prstGeom prst="straightConnector1">
@@ -5848,7 +5844,7 @@
         </p:nvCxnSpPr>
         <p:spPr>
           <a:xfrm flipV="1">
-            <a:off x="4766627" y="898771"/>
+            <a:off x="4766627" y="969891"/>
             <a:ext cx="12700" cy="2227576"/>
           </a:xfrm>
           <a:prstGeom prst="bentConnector3">
@@ -5889,7 +5885,7 @@
         </p:nvCxnSpPr>
         <p:spPr>
           <a:xfrm rot="16200000" flipH="1">
-            <a:off x="1848670" y="3340968"/>
+            <a:off x="1848670" y="3412088"/>
             <a:ext cx="2148563" cy="4204739"/>
           </a:xfrm>
           <a:prstGeom prst="bentConnector2">
@@ -5925,7 +5921,7 @@
         </p:nvCxnSpPr>
         <p:spPr>
           <a:xfrm rot="5400000">
-            <a:off x="7424409" y="2339469"/>
+            <a:off x="7424409" y="2410589"/>
             <a:ext cx="3115063" cy="5241238"/>
           </a:xfrm>
           <a:prstGeom prst="bentConnector2">
@@ -5966,13 +5962,13 @@
         </p:nvCxnSpPr>
         <p:spPr>
           <a:xfrm flipH="1">
-            <a:off x="840945" y="898771"/>
+            <a:off x="840945" y="969891"/>
             <a:ext cx="1342482" cy="2270790"/>
           </a:xfrm>
           <a:prstGeom prst="straightConnector1">
             <a:avLst/>
           </a:prstGeom>
-          <a:ln w="76200">
+          <a:ln w="57150">
             <a:solidFill>
               <a:srgbClr val="FF0000"/>
             </a:solidFill>
@@ -6202,7 +6198,7 @@
     </a:clrScheme>
     <a:fontScheme name="Office">
       <a:majorFont>
-        <a:latin typeface="맑은 고딕" panose="020F0302020204030204"/>
+        <a:latin typeface="맑은 고딕"/>
         <a:ea typeface=""/>
         <a:cs typeface=""/>
         <a:font script="Jpan" typeface="游ゴシック Light"/>
@@ -6237,7 +6233,7 @@
         <a:font script="Geor" typeface="Sylfaen"/>
       </a:majorFont>
       <a:minorFont>
-        <a:latin typeface="맑은 고딕" panose="020F0502020204030204"/>
+        <a:latin typeface="맑은 고딕"/>
         <a:ea typeface=""/>
         <a:cs typeface=""/>
         <a:font script="Jpan" typeface="游ゴシック"/>
@@ -6414,7 +6410,7 @@
   <a:extraClrSchemeLst/>
   <a:extLst>
     <a:ext uri="{05A4C25C-085E-4340-85A3-A5531E510DB2}">
-      <thm15:themeFamily xmlns:thm15="http://schemas.microsoft.com/office/thememl/2012/main" name="Office Theme" id="{62F939B6-93AF-4DB8-9C6B-D6C7DFDC589F}" vid="{4A3C46E8-61CC-4603-A589-7422A47A8E4A}"/>
+      <thm15:themeFamily xmlns:thm15="http://schemas.microsoft.com/office/thememl/2012/main" xmlns="" name="Office Theme" id="{62F939B6-93AF-4DB8-9C6B-D6C7DFDC589F}" vid="{4A3C46E8-61CC-4603-A589-7422A47A8E4A}"/>
     </a:ext>
   </a:extLst>
 </a:theme>
@@ -6463,7 +6459,7 @@
     </a:clrScheme>
     <a:fontScheme name="Office">
       <a:majorFont>
-        <a:latin typeface="맑은 고딕" panose="020F0302020204030204"/>
+        <a:latin typeface="맑은 고딕"/>
         <a:ea typeface=""/>
         <a:cs typeface=""/>
         <a:font script="Jpan" typeface="游ゴシック Light"/>
@@ -6498,7 +6494,7 @@
         <a:font script="Geor" typeface="Sylfaen"/>
       </a:majorFont>
       <a:minorFont>
-        <a:latin typeface="맑은 고딕" panose="020F0502020204030204"/>
+        <a:latin typeface="맑은 고딕"/>
         <a:ea typeface=""/>
         <a:cs typeface=""/>
         <a:font script="Jpan" typeface="游ゴシック"/>
@@ -6675,7 +6671,7 @@
   <a:extraClrSchemeLst/>
   <a:extLst>
     <a:ext uri="{05A4C25C-085E-4340-85A3-A5531E510DB2}">
-      <thm15:themeFamily xmlns:thm15="http://schemas.microsoft.com/office/thememl/2012/main" name="Office Theme" id="{62F939B6-93AF-4DB8-9C6B-D6C7DFDC589F}" vid="{4A3C46E8-61CC-4603-A589-7422A47A8E4A}"/>
+      <thm15:themeFamily xmlns:thm15="http://schemas.microsoft.com/office/thememl/2012/main" xmlns="" name="Office Theme" id="{62F939B6-93AF-4DB8-9C6B-D6C7DFDC589F}" vid="{4A3C46E8-61CC-4603-A589-7422A47A8E4A}"/>
     </a:ext>
   </a:extLst>
 </a:theme>

--- a/project03 - 발표1.pptx
+++ b/project03 - 발표1.pptx
@@ -3704,7 +3704,15 @@
             </a:pPr>
             <a:r>
               <a:rPr lang="ko-KR" altLang="en-US" dirty="0" smtClean="0"/>
-              <a:t>주제 선정 이유</a:t>
+              <a:t>주제 </a:t>
+            </a:r>
+            <a:r>
+              <a:rPr lang="ko-KR" altLang="en-US" smtClean="0"/>
+              <a:t>선정 </a:t>
+            </a:r>
+            <a:r>
+              <a:rPr lang="ko-KR" altLang="en-US" smtClean="0"/>
+              <a:t>이유     </a:t>
             </a:r>
             <a:endParaRPr lang="en-US" altLang="ko-KR" dirty="0" smtClean="0"/>
           </a:p>

--- a/project03 - 발표1.pptx
+++ b/project03 - 발표1.pptx
@@ -115,7 +115,18 @@
   </p:defaultTextStyle>
   <p:extLst>
     <p:ext uri="{EFAFB233-063F-42B5-8137-9DF3F51BA10A}">
-      <p15:sldGuideLst xmlns:p15="http://schemas.microsoft.com/office/powerpoint/2012/main" xmlns=""/>
+      <p15:sldGuideLst xmlns:p15="http://schemas.microsoft.com/office/powerpoint/2012/main">
+        <p15:guide id="1" orient="horz" pos="2160">
+          <p15:clr>
+            <a:srgbClr val="A4A3A4"/>
+          </p15:clr>
+        </p15:guide>
+        <p15:guide id="2" pos="3840">
+          <p15:clr>
+            <a:srgbClr val="A4A3A4"/>
+          </p15:clr>
+        </p15:guide>
+      </p15:sldGuideLst>
     </p:ext>
   </p:extLst>
 </p:presentation>
@@ -3636,6 +3647,30 @@
           <a:chExt cx="0" cy="0"/>
         </a:xfrm>
       </p:grpSpPr>
+      <p:pic>
+        <p:nvPicPr>
+          <p:cNvPr id="4" name="그림 3"/>
+          <p:cNvPicPr>
+            <a:picLocks noChangeAspect="1"/>
+          </p:cNvPicPr>
+          <p:nvPr/>
+        </p:nvPicPr>
+        <p:blipFill>
+          <a:blip r:embed="rId2"/>
+          <a:stretch>
+            <a:fillRect/>
+          </a:stretch>
+        </p:blipFill>
+        <p:spPr>
+          <a:xfrm>
+            <a:off x="2295" y="0"/>
+            <a:ext cx="12187410" cy="6858000"/>
+          </a:xfrm>
+          <a:prstGeom prst="rect">
+            <a:avLst/>
+          </a:prstGeom>
+        </p:spPr>
+      </p:pic>
       <p:sp>
         <p:nvSpPr>
           <p:cNvPr id="2" name="제목 1"/>
@@ -3760,6 +3795,30 @@
           <a:chExt cx="0" cy="0"/>
         </a:xfrm>
       </p:grpSpPr>
+      <p:pic>
+        <p:nvPicPr>
+          <p:cNvPr id="4" name="그림 3"/>
+          <p:cNvPicPr>
+            <a:picLocks noChangeAspect="1"/>
+          </p:cNvPicPr>
+          <p:nvPr/>
+        </p:nvPicPr>
+        <p:blipFill>
+          <a:blip r:embed="rId2"/>
+          <a:stretch>
+            <a:fillRect/>
+          </a:stretch>
+        </p:blipFill>
+        <p:spPr>
+          <a:xfrm>
+            <a:off x="2295" y="0"/>
+            <a:ext cx="12187410" cy="6858000"/>
+          </a:xfrm>
+          <a:prstGeom prst="rect">
+            <a:avLst/>
+          </a:prstGeom>
+        </p:spPr>
+      </p:pic>
       <p:sp>
         <p:nvSpPr>
           <p:cNvPr id="2" name="제목 1"/>
@@ -3844,6 +3903,30 @@
           <a:chExt cx="0" cy="0"/>
         </a:xfrm>
       </p:grpSpPr>
+      <p:pic>
+        <p:nvPicPr>
+          <p:cNvPr id="4" name="그림 3"/>
+          <p:cNvPicPr>
+            <a:picLocks noChangeAspect="1"/>
+          </p:cNvPicPr>
+          <p:nvPr/>
+        </p:nvPicPr>
+        <p:blipFill>
+          <a:blip r:embed="rId2"/>
+          <a:stretch>
+            <a:fillRect/>
+          </a:stretch>
+        </p:blipFill>
+        <p:spPr>
+          <a:xfrm>
+            <a:off x="2295" y="0"/>
+            <a:ext cx="12187410" cy="6858000"/>
+          </a:xfrm>
+          <a:prstGeom prst="rect">
+            <a:avLst/>
+          </a:prstGeom>
+        </p:spPr>
+      </p:pic>
       <p:sp>
         <p:nvSpPr>
           <p:cNvPr id="2" name="제목 1"/>
@@ -3922,12 +4005,36 @@
       </p:grpSpPr>
       <p:pic>
         <p:nvPicPr>
+          <p:cNvPr id="2" name="그림 1"/>
+          <p:cNvPicPr>
+            <a:picLocks noChangeAspect="1"/>
+          </p:cNvPicPr>
+          <p:nvPr/>
+        </p:nvPicPr>
+        <p:blipFill>
+          <a:blip r:embed="rId3"/>
+          <a:stretch>
+            <a:fillRect/>
+          </a:stretch>
+        </p:blipFill>
+        <p:spPr>
+          <a:xfrm>
+            <a:off x="2295" y="0"/>
+            <a:ext cx="12187410" cy="6858000"/>
+          </a:xfrm>
+          <a:prstGeom prst="rect">
+            <a:avLst/>
+          </a:prstGeom>
+        </p:spPr>
+      </p:pic>
+      <p:pic>
+        <p:nvPicPr>
           <p:cNvPr id="55" name="Google Shape;55;p13"/>
           <p:cNvPicPr preferRelativeResize="0"/>
           <p:nvPr/>
         </p:nvPicPr>
         <p:blipFill>
-          <a:blip r:embed="rId3">
+          <a:blip r:embed="rId4">
             <a:alphaModFix/>
           </a:blip>
           <a:stretch>
@@ -3997,7 +4104,7 @@
           <p:nvPr/>
         </p:nvPicPr>
         <p:blipFill>
-          <a:blip r:embed="rId3">
+          <a:blip r:embed="rId4">
             <a:alphaModFix/>
           </a:blip>
           <a:stretch>
@@ -4944,7 +5051,7 @@
           <p:nvPr/>
         </p:nvPicPr>
         <p:blipFill>
-          <a:blip r:embed="rId3">
+          <a:blip r:embed="rId4">
             <a:alphaModFix/>
           </a:blip>
           <a:stretch>
@@ -6020,6 +6127,30 @@
           <a:chExt cx="0" cy="0"/>
         </a:xfrm>
       </p:grpSpPr>
+      <p:pic>
+        <p:nvPicPr>
+          <p:cNvPr id="4" name="그림 3"/>
+          <p:cNvPicPr>
+            <a:picLocks noChangeAspect="1"/>
+          </p:cNvPicPr>
+          <p:nvPr/>
+        </p:nvPicPr>
+        <p:blipFill>
+          <a:blip r:embed="rId2"/>
+          <a:stretch>
+            <a:fillRect/>
+          </a:stretch>
+        </p:blipFill>
+        <p:spPr>
+          <a:xfrm>
+            <a:off x="2295" y="0"/>
+            <a:ext cx="12187410" cy="6858000"/>
+          </a:xfrm>
+          <a:prstGeom prst="rect">
+            <a:avLst/>
+          </a:prstGeom>
+        </p:spPr>
+      </p:pic>
       <p:sp>
         <p:nvSpPr>
           <p:cNvPr id="2" name="제목 1"/>
@@ -6096,6 +6227,30 @@
           <a:chExt cx="0" cy="0"/>
         </a:xfrm>
       </p:grpSpPr>
+      <p:pic>
+        <p:nvPicPr>
+          <p:cNvPr id="4" name="그림 3"/>
+          <p:cNvPicPr>
+            <a:picLocks noChangeAspect="1"/>
+          </p:cNvPicPr>
+          <p:nvPr/>
+        </p:nvPicPr>
+        <p:blipFill>
+          <a:blip r:embed="rId2"/>
+          <a:stretch>
+            <a:fillRect/>
+          </a:stretch>
+        </p:blipFill>
+        <p:spPr>
+          <a:xfrm>
+            <a:off x="2295" y="0"/>
+            <a:ext cx="12187410" cy="6858000"/>
+          </a:xfrm>
+          <a:prstGeom prst="rect">
+            <a:avLst/>
+          </a:prstGeom>
+        </p:spPr>
+      </p:pic>
       <p:sp>
         <p:nvSpPr>
           <p:cNvPr id="2" name="제목 1"/>
@@ -6410,7 +6565,7 @@
   <a:extraClrSchemeLst/>
   <a:extLst>
     <a:ext uri="{05A4C25C-085E-4340-85A3-A5531E510DB2}">
-      <thm15:themeFamily xmlns:thm15="http://schemas.microsoft.com/office/thememl/2012/main" xmlns="" name="Office Theme" id="{62F939B6-93AF-4DB8-9C6B-D6C7DFDC589F}" vid="{4A3C46E8-61CC-4603-A589-7422A47A8E4A}"/>
+      <thm15:themeFamily xmlns:thm15="http://schemas.microsoft.com/office/thememl/2012/main" name="Office Theme" id="{62F939B6-93AF-4DB8-9C6B-D6C7DFDC589F}" vid="{4A3C46E8-61CC-4603-A589-7422A47A8E4A}"/>
     </a:ext>
   </a:extLst>
 </a:theme>
@@ -6671,7 +6826,7 @@
   <a:extraClrSchemeLst/>
   <a:extLst>
     <a:ext uri="{05A4C25C-085E-4340-85A3-A5531E510DB2}">
-      <thm15:themeFamily xmlns:thm15="http://schemas.microsoft.com/office/thememl/2012/main" xmlns="" name="Office Theme" id="{62F939B6-93AF-4DB8-9C6B-D6C7DFDC589F}" vid="{4A3C46E8-61CC-4603-A589-7422A47A8E4A}"/>
+      <thm15:themeFamily xmlns:thm15="http://schemas.microsoft.com/office/thememl/2012/main" name="Office Theme" id="{62F939B6-93AF-4DB8-9C6B-D6C7DFDC589F}" vid="{4A3C46E8-61CC-4603-A589-7422A47A8E4A}"/>
     </a:ext>
   </a:extLst>
 </a:theme>
